--- a/Documenti/presentazione_info_kiosk.pptx
+++ b/Documenti/presentazione_info_kiosk.pptx
@@ -5,7 +5,7 @@
     <p:sldMasterId id="2147483712" r:id="rId1"/>
   </p:sldMasterIdLst>
   <p:notesMasterIdLst>
-    <p:notesMasterId r:id="rId9"/>
+    <p:notesMasterId r:id="rId14"/>
   </p:notesMasterIdLst>
   <p:sldIdLst>
     <p:sldId id="256" r:id="rId2"/>
@@ -14,7 +14,12 @@
     <p:sldId id="276" r:id="rId5"/>
     <p:sldId id="267" r:id="rId6"/>
     <p:sldId id="291" r:id="rId7"/>
-    <p:sldId id="261" r:id="rId8"/>
+    <p:sldId id="293" r:id="rId8"/>
+    <p:sldId id="295" r:id="rId9"/>
+    <p:sldId id="292" r:id="rId10"/>
+    <p:sldId id="296" r:id="rId11"/>
+    <p:sldId id="297" r:id="rId12"/>
+    <p:sldId id="261" r:id="rId13"/>
   </p:sldIdLst>
   <p:sldSz cx="12192000" cy="6858000"/>
   <p:notesSz cx="6858000" cy="9144000"/>
@@ -218,7 +223,7 @@
           <a:p>
             <a:fld id="{79F915F1-A884-4072-AF81-CF7FA1F68F6D}" type="datetimeFigureOut">
               <a:rPr lang="it-CH" smtClean="0"/>
-              <a:t>23.03.2018</a:t>
+              <a:t>27.04.2018</a:t>
             </a:fld>
             <a:endParaRPr lang="it-CH"/>
           </a:p>
@@ -729,6 +734,426 @@
     <p:extLst>
       <p:ext uri="{BB962C8B-B14F-4D97-AF65-F5344CB8AC3E}">
         <p14:creationId xmlns:p14="http://schemas.microsoft.com/office/powerpoint/2010/main" val="637687278"/>
+      </p:ext>
+    </p:extLst>
+  </p:cSld>
+  <p:clrMapOvr>
+    <a:masterClrMapping/>
+  </p:clrMapOvr>
+</p:notes>
+</file>
+
+<file path=ppt/notesSlides/notesSlide4.xml><?xml version="1.0" encoding="utf-8"?>
+<p:notes xmlns:a="http://schemas.openxmlformats.org/drawingml/2006/main" xmlns:r="http://schemas.openxmlformats.org/officeDocument/2006/relationships" xmlns:p="http://schemas.openxmlformats.org/presentationml/2006/main">
+  <p:cSld>
+    <p:spTree>
+      <p:nvGrpSpPr>
+        <p:cNvPr id="1" name=""/>
+        <p:cNvGrpSpPr/>
+        <p:nvPr/>
+      </p:nvGrpSpPr>
+      <p:grpSpPr>
+        <a:xfrm>
+          <a:off x="0" y="0"/>
+          <a:ext cx="0" cy="0"/>
+          <a:chOff x="0" y="0"/>
+          <a:chExt cx="0" cy="0"/>
+        </a:xfrm>
+      </p:grpSpPr>
+      <p:sp>
+        <p:nvSpPr>
+          <p:cNvPr id="2" name="Segnaposto immagine diapositiva 1"/>
+          <p:cNvSpPr>
+            <a:spLocks noGrp="1" noRot="1" noChangeAspect="1"/>
+          </p:cNvSpPr>
+          <p:nvPr>
+            <p:ph type="sldImg"/>
+          </p:nvPr>
+        </p:nvSpPr>
+        <p:spPr/>
+      </p:sp>
+      <p:sp>
+        <p:nvSpPr>
+          <p:cNvPr id="3" name="Segnaposto note 2"/>
+          <p:cNvSpPr>
+            <a:spLocks noGrp="1"/>
+          </p:cNvSpPr>
+          <p:nvPr>
+            <p:ph type="body" idx="1"/>
+          </p:nvPr>
+        </p:nvSpPr>
+        <p:spPr/>
+        <p:txBody>
+          <a:bodyPr/>
+          <a:lstStyle/>
+          <a:p>
+            <a:endParaRPr lang="it-CH" dirty="0"/>
+          </a:p>
+        </p:txBody>
+      </p:sp>
+      <p:sp>
+        <p:nvSpPr>
+          <p:cNvPr id="4" name="Segnaposto numero diapositiva 3"/>
+          <p:cNvSpPr>
+            <a:spLocks noGrp="1"/>
+          </p:cNvSpPr>
+          <p:nvPr>
+            <p:ph type="sldNum" sz="quarter" idx="10"/>
+          </p:nvPr>
+        </p:nvSpPr>
+        <p:spPr/>
+        <p:txBody>
+          <a:bodyPr/>
+          <a:lstStyle/>
+          <a:p>
+            <a:fld id="{62E71006-93ED-417B-8D1C-79E5B3A3D052}" type="slidenum">
+              <a:rPr lang="it-CH" smtClean="0"/>
+              <a:t>7</a:t>
+            </a:fld>
+            <a:endParaRPr lang="it-CH"/>
+          </a:p>
+        </p:txBody>
+      </p:sp>
+    </p:spTree>
+    <p:extLst>
+      <p:ext uri="{BB962C8B-B14F-4D97-AF65-F5344CB8AC3E}">
+        <p14:creationId xmlns:p14="http://schemas.microsoft.com/office/powerpoint/2010/main" val="806462559"/>
+      </p:ext>
+    </p:extLst>
+  </p:cSld>
+  <p:clrMapOvr>
+    <a:masterClrMapping/>
+  </p:clrMapOvr>
+</p:notes>
+</file>
+
+<file path=ppt/notesSlides/notesSlide5.xml><?xml version="1.0" encoding="utf-8"?>
+<p:notes xmlns:a="http://schemas.openxmlformats.org/drawingml/2006/main" xmlns:r="http://schemas.openxmlformats.org/officeDocument/2006/relationships" xmlns:p="http://schemas.openxmlformats.org/presentationml/2006/main">
+  <p:cSld>
+    <p:spTree>
+      <p:nvGrpSpPr>
+        <p:cNvPr id="1" name=""/>
+        <p:cNvGrpSpPr/>
+        <p:nvPr/>
+      </p:nvGrpSpPr>
+      <p:grpSpPr>
+        <a:xfrm>
+          <a:off x="0" y="0"/>
+          <a:ext cx="0" cy="0"/>
+          <a:chOff x="0" y="0"/>
+          <a:chExt cx="0" cy="0"/>
+        </a:xfrm>
+      </p:grpSpPr>
+      <p:sp>
+        <p:nvSpPr>
+          <p:cNvPr id="2" name="Segnaposto immagine diapositiva 1"/>
+          <p:cNvSpPr>
+            <a:spLocks noGrp="1" noRot="1" noChangeAspect="1"/>
+          </p:cNvSpPr>
+          <p:nvPr>
+            <p:ph type="sldImg"/>
+          </p:nvPr>
+        </p:nvSpPr>
+        <p:spPr/>
+      </p:sp>
+      <p:sp>
+        <p:nvSpPr>
+          <p:cNvPr id="3" name="Segnaposto note 2"/>
+          <p:cNvSpPr>
+            <a:spLocks noGrp="1"/>
+          </p:cNvSpPr>
+          <p:nvPr>
+            <p:ph type="body" idx="1"/>
+          </p:nvPr>
+        </p:nvSpPr>
+        <p:spPr/>
+        <p:txBody>
+          <a:bodyPr/>
+          <a:lstStyle/>
+          <a:p>
+            <a:endParaRPr lang="it-CH" dirty="0"/>
+          </a:p>
+        </p:txBody>
+      </p:sp>
+      <p:sp>
+        <p:nvSpPr>
+          <p:cNvPr id="4" name="Segnaposto numero diapositiva 3"/>
+          <p:cNvSpPr>
+            <a:spLocks noGrp="1"/>
+          </p:cNvSpPr>
+          <p:nvPr>
+            <p:ph type="sldNum" sz="quarter" idx="10"/>
+          </p:nvPr>
+        </p:nvSpPr>
+        <p:spPr/>
+        <p:txBody>
+          <a:bodyPr/>
+          <a:lstStyle/>
+          <a:p>
+            <a:fld id="{62E71006-93ED-417B-8D1C-79E5B3A3D052}" type="slidenum">
+              <a:rPr lang="it-CH" smtClean="0"/>
+              <a:t>8</a:t>
+            </a:fld>
+            <a:endParaRPr lang="it-CH"/>
+          </a:p>
+        </p:txBody>
+      </p:sp>
+    </p:spTree>
+    <p:extLst>
+      <p:ext uri="{BB962C8B-B14F-4D97-AF65-F5344CB8AC3E}">
+        <p14:creationId xmlns:p14="http://schemas.microsoft.com/office/powerpoint/2010/main" val="2107737546"/>
+      </p:ext>
+    </p:extLst>
+  </p:cSld>
+  <p:clrMapOvr>
+    <a:masterClrMapping/>
+  </p:clrMapOvr>
+</p:notes>
+</file>
+
+<file path=ppt/notesSlides/notesSlide6.xml><?xml version="1.0" encoding="utf-8"?>
+<p:notes xmlns:a="http://schemas.openxmlformats.org/drawingml/2006/main" xmlns:r="http://schemas.openxmlformats.org/officeDocument/2006/relationships" xmlns:p="http://schemas.openxmlformats.org/presentationml/2006/main">
+  <p:cSld>
+    <p:spTree>
+      <p:nvGrpSpPr>
+        <p:cNvPr id="1" name=""/>
+        <p:cNvGrpSpPr/>
+        <p:nvPr/>
+      </p:nvGrpSpPr>
+      <p:grpSpPr>
+        <a:xfrm>
+          <a:off x="0" y="0"/>
+          <a:ext cx="0" cy="0"/>
+          <a:chOff x="0" y="0"/>
+          <a:chExt cx="0" cy="0"/>
+        </a:xfrm>
+      </p:grpSpPr>
+      <p:sp>
+        <p:nvSpPr>
+          <p:cNvPr id="2" name="Segnaposto immagine diapositiva 1"/>
+          <p:cNvSpPr>
+            <a:spLocks noGrp="1" noRot="1" noChangeAspect="1"/>
+          </p:cNvSpPr>
+          <p:nvPr>
+            <p:ph type="sldImg"/>
+          </p:nvPr>
+        </p:nvSpPr>
+        <p:spPr/>
+      </p:sp>
+      <p:sp>
+        <p:nvSpPr>
+          <p:cNvPr id="3" name="Segnaposto note 2"/>
+          <p:cNvSpPr>
+            <a:spLocks noGrp="1"/>
+          </p:cNvSpPr>
+          <p:nvPr>
+            <p:ph type="body" idx="1"/>
+          </p:nvPr>
+        </p:nvSpPr>
+        <p:spPr/>
+        <p:txBody>
+          <a:bodyPr/>
+          <a:lstStyle/>
+          <a:p>
+            <a:endParaRPr lang="it-CH" dirty="0"/>
+          </a:p>
+        </p:txBody>
+      </p:sp>
+      <p:sp>
+        <p:nvSpPr>
+          <p:cNvPr id="4" name="Segnaposto numero diapositiva 3"/>
+          <p:cNvSpPr>
+            <a:spLocks noGrp="1"/>
+          </p:cNvSpPr>
+          <p:nvPr>
+            <p:ph type="sldNum" sz="quarter" idx="10"/>
+          </p:nvPr>
+        </p:nvSpPr>
+        <p:spPr/>
+        <p:txBody>
+          <a:bodyPr/>
+          <a:lstStyle/>
+          <a:p>
+            <a:fld id="{62E71006-93ED-417B-8D1C-79E5B3A3D052}" type="slidenum">
+              <a:rPr lang="it-CH" smtClean="0"/>
+              <a:t>9</a:t>
+            </a:fld>
+            <a:endParaRPr lang="it-CH"/>
+          </a:p>
+        </p:txBody>
+      </p:sp>
+    </p:spTree>
+    <p:extLst>
+      <p:ext uri="{BB962C8B-B14F-4D97-AF65-F5344CB8AC3E}">
+        <p14:creationId xmlns:p14="http://schemas.microsoft.com/office/powerpoint/2010/main" val="4062386361"/>
+      </p:ext>
+    </p:extLst>
+  </p:cSld>
+  <p:clrMapOvr>
+    <a:masterClrMapping/>
+  </p:clrMapOvr>
+</p:notes>
+</file>
+
+<file path=ppt/notesSlides/notesSlide7.xml><?xml version="1.0" encoding="utf-8"?>
+<p:notes xmlns:a="http://schemas.openxmlformats.org/drawingml/2006/main" xmlns:r="http://schemas.openxmlformats.org/officeDocument/2006/relationships" xmlns:p="http://schemas.openxmlformats.org/presentationml/2006/main">
+  <p:cSld>
+    <p:spTree>
+      <p:nvGrpSpPr>
+        <p:cNvPr id="1" name=""/>
+        <p:cNvGrpSpPr/>
+        <p:nvPr/>
+      </p:nvGrpSpPr>
+      <p:grpSpPr>
+        <a:xfrm>
+          <a:off x="0" y="0"/>
+          <a:ext cx="0" cy="0"/>
+          <a:chOff x="0" y="0"/>
+          <a:chExt cx="0" cy="0"/>
+        </a:xfrm>
+      </p:grpSpPr>
+      <p:sp>
+        <p:nvSpPr>
+          <p:cNvPr id="2" name="Segnaposto immagine diapositiva 1"/>
+          <p:cNvSpPr>
+            <a:spLocks noGrp="1" noRot="1" noChangeAspect="1"/>
+          </p:cNvSpPr>
+          <p:nvPr>
+            <p:ph type="sldImg"/>
+          </p:nvPr>
+        </p:nvSpPr>
+        <p:spPr/>
+      </p:sp>
+      <p:sp>
+        <p:nvSpPr>
+          <p:cNvPr id="3" name="Segnaposto note 2"/>
+          <p:cNvSpPr>
+            <a:spLocks noGrp="1"/>
+          </p:cNvSpPr>
+          <p:nvPr>
+            <p:ph type="body" idx="1"/>
+          </p:nvPr>
+        </p:nvSpPr>
+        <p:spPr/>
+        <p:txBody>
+          <a:bodyPr/>
+          <a:lstStyle/>
+          <a:p>
+            <a:endParaRPr lang="it-CH" dirty="0"/>
+          </a:p>
+        </p:txBody>
+      </p:sp>
+      <p:sp>
+        <p:nvSpPr>
+          <p:cNvPr id="4" name="Segnaposto numero diapositiva 3"/>
+          <p:cNvSpPr>
+            <a:spLocks noGrp="1"/>
+          </p:cNvSpPr>
+          <p:nvPr>
+            <p:ph type="sldNum" sz="quarter" idx="10"/>
+          </p:nvPr>
+        </p:nvSpPr>
+        <p:spPr/>
+        <p:txBody>
+          <a:bodyPr/>
+          <a:lstStyle/>
+          <a:p>
+            <a:fld id="{62E71006-93ED-417B-8D1C-79E5B3A3D052}" type="slidenum">
+              <a:rPr lang="it-CH" smtClean="0"/>
+              <a:t>10</a:t>
+            </a:fld>
+            <a:endParaRPr lang="it-CH"/>
+          </a:p>
+        </p:txBody>
+      </p:sp>
+    </p:spTree>
+    <p:extLst>
+      <p:ext uri="{BB962C8B-B14F-4D97-AF65-F5344CB8AC3E}">
+        <p14:creationId xmlns:p14="http://schemas.microsoft.com/office/powerpoint/2010/main" val="2824293866"/>
+      </p:ext>
+    </p:extLst>
+  </p:cSld>
+  <p:clrMapOvr>
+    <a:masterClrMapping/>
+  </p:clrMapOvr>
+</p:notes>
+</file>
+
+<file path=ppt/notesSlides/notesSlide8.xml><?xml version="1.0" encoding="utf-8"?>
+<p:notes xmlns:a="http://schemas.openxmlformats.org/drawingml/2006/main" xmlns:r="http://schemas.openxmlformats.org/officeDocument/2006/relationships" xmlns:p="http://schemas.openxmlformats.org/presentationml/2006/main">
+  <p:cSld>
+    <p:spTree>
+      <p:nvGrpSpPr>
+        <p:cNvPr id="1" name=""/>
+        <p:cNvGrpSpPr/>
+        <p:nvPr/>
+      </p:nvGrpSpPr>
+      <p:grpSpPr>
+        <a:xfrm>
+          <a:off x="0" y="0"/>
+          <a:ext cx="0" cy="0"/>
+          <a:chOff x="0" y="0"/>
+          <a:chExt cx="0" cy="0"/>
+        </a:xfrm>
+      </p:grpSpPr>
+      <p:sp>
+        <p:nvSpPr>
+          <p:cNvPr id="2" name="Segnaposto immagine diapositiva 1"/>
+          <p:cNvSpPr>
+            <a:spLocks noGrp="1" noRot="1" noChangeAspect="1"/>
+          </p:cNvSpPr>
+          <p:nvPr>
+            <p:ph type="sldImg"/>
+          </p:nvPr>
+        </p:nvSpPr>
+        <p:spPr/>
+      </p:sp>
+      <p:sp>
+        <p:nvSpPr>
+          <p:cNvPr id="3" name="Segnaposto note 2"/>
+          <p:cNvSpPr>
+            <a:spLocks noGrp="1"/>
+          </p:cNvSpPr>
+          <p:nvPr>
+            <p:ph type="body" idx="1"/>
+          </p:nvPr>
+        </p:nvSpPr>
+        <p:spPr/>
+        <p:txBody>
+          <a:bodyPr/>
+          <a:lstStyle/>
+          <a:p>
+            <a:endParaRPr lang="it-CH" dirty="0"/>
+          </a:p>
+        </p:txBody>
+      </p:sp>
+      <p:sp>
+        <p:nvSpPr>
+          <p:cNvPr id="4" name="Segnaposto numero diapositiva 3"/>
+          <p:cNvSpPr>
+            <a:spLocks noGrp="1"/>
+          </p:cNvSpPr>
+          <p:nvPr>
+            <p:ph type="sldNum" sz="quarter" idx="10"/>
+          </p:nvPr>
+        </p:nvSpPr>
+        <p:spPr/>
+        <p:txBody>
+          <a:bodyPr/>
+          <a:lstStyle/>
+          <a:p>
+            <a:fld id="{62E71006-93ED-417B-8D1C-79E5B3A3D052}" type="slidenum">
+              <a:rPr lang="it-CH" smtClean="0"/>
+              <a:t>11</a:t>
+            </a:fld>
+            <a:endParaRPr lang="it-CH"/>
+          </a:p>
+        </p:txBody>
+      </p:sp>
+    </p:spTree>
+    <p:extLst>
+      <p:ext uri="{BB962C8B-B14F-4D97-AF65-F5344CB8AC3E}">
+        <p14:creationId xmlns:p14="http://schemas.microsoft.com/office/powerpoint/2010/main" val="2766874033"/>
       </p:ext>
     </p:extLst>
   </p:cSld>
@@ -1464,7 +1889,7 @@
           <a:p>
             <a:fld id="{7283AACF-1BFC-4293-8051-DBD69D65A7A5}" type="datetimeFigureOut">
               <a:rPr lang="it-CH" smtClean="0"/>
-              <a:t>23.03.2018</a:t>
+              <a:t>27.04.2018</a:t>
             </a:fld>
             <a:endParaRPr lang="it-CH"/>
           </a:p>
@@ -1715,7 +2140,7 @@
           <a:p>
             <a:fld id="{7283AACF-1BFC-4293-8051-DBD69D65A7A5}" type="datetimeFigureOut">
               <a:rPr lang="it-CH" smtClean="0"/>
-              <a:t>23.03.2018</a:t>
+              <a:t>27.04.2018</a:t>
             </a:fld>
             <a:endParaRPr lang="it-CH"/>
           </a:p>
@@ -2029,7 +2454,7 @@
           <a:p>
             <a:fld id="{7283AACF-1BFC-4293-8051-DBD69D65A7A5}" type="datetimeFigureOut">
               <a:rPr lang="it-CH" smtClean="0"/>
-              <a:t>23.03.2018</a:t>
+              <a:t>27.04.2018</a:t>
             </a:fld>
             <a:endParaRPr lang="it-CH"/>
           </a:p>
@@ -2356,7 +2781,7 @@
           <a:p>
             <a:fld id="{7283AACF-1BFC-4293-8051-DBD69D65A7A5}" type="datetimeFigureOut">
               <a:rPr lang="it-CH" smtClean="0"/>
-              <a:t>23.03.2018</a:t>
+              <a:t>27.04.2018</a:t>
             </a:fld>
             <a:endParaRPr lang="it-CH"/>
           </a:p>
@@ -2670,7 +3095,7 @@
           <a:p>
             <a:fld id="{7283AACF-1BFC-4293-8051-DBD69D65A7A5}" type="datetimeFigureOut">
               <a:rPr lang="it-CH" smtClean="0"/>
-              <a:t>23.03.2018</a:t>
+              <a:t>27.04.2018</a:t>
             </a:fld>
             <a:endParaRPr lang="it-CH"/>
           </a:p>
@@ -3057,7 +3482,7 @@
           <a:p>
             <a:fld id="{7283AACF-1BFC-4293-8051-DBD69D65A7A5}" type="datetimeFigureOut">
               <a:rPr lang="it-CH" smtClean="0"/>
-              <a:t>23.03.2018</a:t>
+              <a:t>27.04.2018</a:t>
             </a:fld>
             <a:endParaRPr lang="it-CH"/>
           </a:p>
@@ -3227,7 +3652,7 @@
           <a:p>
             <a:fld id="{7283AACF-1BFC-4293-8051-DBD69D65A7A5}" type="datetimeFigureOut">
               <a:rPr lang="it-CH" smtClean="0"/>
-              <a:t>23.03.2018</a:t>
+              <a:t>27.04.2018</a:t>
             </a:fld>
             <a:endParaRPr lang="it-CH"/>
           </a:p>
@@ -3407,7 +3832,7 @@
           <a:p>
             <a:fld id="{7283AACF-1BFC-4293-8051-DBD69D65A7A5}" type="datetimeFigureOut">
               <a:rPr lang="it-CH" smtClean="0"/>
-              <a:t>23.03.2018</a:t>
+              <a:t>27.04.2018</a:t>
             </a:fld>
             <a:endParaRPr lang="it-CH"/>
           </a:p>
@@ -3577,7 +4002,7 @@
           <a:p>
             <a:fld id="{7283AACF-1BFC-4293-8051-DBD69D65A7A5}" type="datetimeFigureOut">
               <a:rPr lang="it-CH" smtClean="0"/>
-              <a:t>23.03.2018</a:t>
+              <a:t>27.04.2018</a:t>
             </a:fld>
             <a:endParaRPr lang="it-CH"/>
           </a:p>
@@ -3824,7 +4249,7 @@
           <a:p>
             <a:fld id="{7283AACF-1BFC-4293-8051-DBD69D65A7A5}" type="datetimeFigureOut">
               <a:rPr lang="it-CH" smtClean="0"/>
-              <a:t>23.03.2018</a:t>
+              <a:t>27.04.2018</a:t>
             </a:fld>
             <a:endParaRPr lang="it-CH"/>
           </a:p>
@@ -4056,7 +4481,7 @@
           <a:p>
             <a:fld id="{7283AACF-1BFC-4293-8051-DBD69D65A7A5}" type="datetimeFigureOut">
               <a:rPr lang="it-CH" smtClean="0"/>
-              <a:t>23.03.2018</a:t>
+              <a:t>27.04.2018</a:t>
             </a:fld>
             <a:endParaRPr lang="it-CH"/>
           </a:p>
@@ -4430,7 +4855,7 @@
           <a:p>
             <a:fld id="{7283AACF-1BFC-4293-8051-DBD69D65A7A5}" type="datetimeFigureOut">
               <a:rPr lang="it-CH" smtClean="0"/>
-              <a:t>23.03.2018</a:t>
+              <a:t>27.04.2018</a:t>
             </a:fld>
             <a:endParaRPr lang="it-CH"/>
           </a:p>
@@ -4553,7 +4978,7 @@
           <a:p>
             <a:fld id="{7283AACF-1BFC-4293-8051-DBD69D65A7A5}" type="datetimeFigureOut">
               <a:rPr lang="it-CH" smtClean="0"/>
-              <a:t>23.03.2018</a:t>
+              <a:t>27.04.2018</a:t>
             </a:fld>
             <a:endParaRPr lang="it-CH"/>
           </a:p>
@@ -4648,7 +5073,7 @@
           <a:p>
             <a:fld id="{7283AACF-1BFC-4293-8051-DBD69D65A7A5}" type="datetimeFigureOut">
               <a:rPr lang="it-CH" smtClean="0"/>
-              <a:t>23.03.2018</a:t>
+              <a:t>27.04.2018</a:t>
             </a:fld>
             <a:endParaRPr lang="it-CH"/>
           </a:p>
@@ -4903,7 +5328,7 @@
           <a:p>
             <a:fld id="{7283AACF-1BFC-4293-8051-DBD69D65A7A5}" type="datetimeFigureOut">
               <a:rPr lang="it-CH" smtClean="0"/>
-              <a:t>23.03.2018</a:t>
+              <a:t>27.04.2018</a:t>
             </a:fld>
             <a:endParaRPr lang="it-CH"/>
           </a:p>
@@ -5166,7 +5591,7 @@
           <a:p>
             <a:fld id="{7283AACF-1BFC-4293-8051-DBD69D65A7A5}" type="datetimeFigureOut">
               <a:rPr lang="it-CH" smtClean="0"/>
-              <a:t>23.03.2018</a:t>
+              <a:t>27.04.2018</a:t>
             </a:fld>
             <a:endParaRPr lang="it-CH"/>
           </a:p>
@@ -5911,7 +6336,7 @@
           <a:p>
             <a:fld id="{7283AACF-1BFC-4293-8051-DBD69D65A7A5}" type="datetimeFigureOut">
               <a:rPr lang="it-CH" smtClean="0"/>
-              <a:t>23.03.2018</a:t>
+              <a:t>27.04.2018</a:t>
             </a:fld>
             <a:endParaRPr lang="it-CH"/>
           </a:p>
@@ -6543,6 +6968,592 @@
 </p:sld>
 </file>
 
+<file path=ppt/slides/slide10.xml><?xml version="1.0" encoding="utf-8"?>
+<p:sld xmlns:a="http://schemas.openxmlformats.org/drawingml/2006/main" xmlns:r="http://schemas.openxmlformats.org/officeDocument/2006/relationships" xmlns:p="http://schemas.openxmlformats.org/presentationml/2006/main">
+  <p:cSld>
+    <p:spTree>
+      <p:nvGrpSpPr>
+        <p:cNvPr id="1" name=""/>
+        <p:cNvGrpSpPr/>
+        <p:nvPr/>
+      </p:nvGrpSpPr>
+      <p:grpSpPr>
+        <a:xfrm>
+          <a:off x="0" y="0"/>
+          <a:ext cx="0" cy="0"/>
+          <a:chOff x="0" y="0"/>
+          <a:chExt cx="0" cy="0"/>
+        </a:xfrm>
+      </p:grpSpPr>
+      <p:sp>
+        <p:nvSpPr>
+          <p:cNvPr id="2" name="Titolo 1"/>
+          <p:cNvSpPr>
+            <a:spLocks noGrp="1"/>
+          </p:cNvSpPr>
+          <p:nvPr>
+            <p:ph type="title"/>
+          </p:nvPr>
+        </p:nvSpPr>
+        <p:spPr/>
+        <p:txBody>
+          <a:bodyPr anchor="ctr">
+            <a:noAutofit/>
+          </a:bodyPr>
+          <a:lstStyle/>
+          <a:p>
+            <a:r>
+              <a:rPr lang="it-CH" dirty="0" smtClean="0"/>
+              <a:t>Implementazione</a:t>
+            </a:r>
+            <a:r>
+              <a:rPr lang="it-CH" sz="5400" dirty="0" smtClean="0"/>
+              <a:t> </a:t>
+            </a:r>
+            <a:r>
+              <a:rPr lang="it-CH" smtClean="0"/>
+              <a:t>- Sito</a:t>
+            </a:r>
+            <a:endParaRPr lang="it-CH" sz="5400" dirty="0"/>
+          </a:p>
+        </p:txBody>
+      </p:sp>
+      <p:pic>
+        <p:nvPicPr>
+          <p:cNvPr id="4098" name="Immagine 1"/>
+          <p:cNvPicPr>
+            <a:picLocks noChangeAspect="1" noChangeArrowheads="1"/>
+          </p:cNvPicPr>
+          <p:nvPr/>
+        </p:nvPicPr>
+        <p:blipFill>
+          <a:blip r:embed="rId3">
+            <a:extLst>
+              <a:ext uri="{28A0092B-C50C-407E-A947-70E740481C1C}">
+                <a14:useLocalDpi xmlns:a14="http://schemas.microsoft.com/office/drawing/2010/main" val="0"/>
+              </a:ext>
+            </a:extLst>
+          </a:blip>
+          <a:srcRect/>
+          <a:stretch>
+            <a:fillRect/>
+          </a:stretch>
+        </p:blipFill>
+        <p:spPr bwMode="auto">
+          <a:xfrm>
+            <a:off x="677334" y="1930400"/>
+            <a:ext cx="8596668" cy="4290447"/>
+          </a:xfrm>
+          <a:prstGeom prst="rect">
+            <a:avLst/>
+          </a:prstGeom>
+          <a:noFill/>
+          <a:ln w="38100">
+            <a:solidFill>
+              <a:schemeClr val="accent1"/>
+            </a:solidFill>
+            <a:miter lim="800000"/>
+            <a:headEnd/>
+            <a:tailEnd/>
+          </a:ln>
+          <a:extLst>
+            <a:ext uri="{909E8E84-426E-40DD-AFC4-6F175D3DCCD1}">
+              <a14:hiddenFill xmlns:a14="http://schemas.microsoft.com/office/drawing/2010/main">
+                <a:solidFill>
+                  <a:srgbClr val="FFFFFF"/>
+                </a:solidFill>
+              </a14:hiddenFill>
+            </a:ext>
+          </a:extLst>
+        </p:spPr>
+      </p:pic>
+    </p:spTree>
+    <p:extLst>
+      <p:ext uri="{BB962C8B-B14F-4D97-AF65-F5344CB8AC3E}">
+        <p14:creationId xmlns:p14="http://schemas.microsoft.com/office/powerpoint/2010/main" val="583446935"/>
+      </p:ext>
+    </p:extLst>
+  </p:cSld>
+  <p:clrMapOvr>
+    <a:masterClrMapping/>
+  </p:clrMapOvr>
+  <mc:AlternateContent xmlns:mc="http://schemas.openxmlformats.org/markup-compatibility/2006" xmlns:p14="http://schemas.microsoft.com/office/powerpoint/2010/main">
+    <mc:Choice Requires="p14">
+      <p:transition p14:dur="0"/>
+    </mc:Choice>
+    <mc:Fallback xmlns="">
+      <p:transition/>
+    </mc:Fallback>
+  </mc:AlternateContent>
+  <p:timing>
+    <p:tnLst>
+      <p:par>
+        <p:cTn id="1" dur="indefinite" restart="never" nodeType="tmRoot"/>
+      </p:par>
+    </p:tnLst>
+  </p:timing>
+</p:sld>
+</file>
+
+<file path=ppt/slides/slide11.xml><?xml version="1.0" encoding="utf-8"?>
+<p:sld xmlns:a="http://schemas.openxmlformats.org/drawingml/2006/main" xmlns:r="http://schemas.openxmlformats.org/officeDocument/2006/relationships" xmlns:p="http://schemas.openxmlformats.org/presentationml/2006/main">
+  <p:cSld>
+    <p:spTree>
+      <p:nvGrpSpPr>
+        <p:cNvPr id="1" name=""/>
+        <p:cNvGrpSpPr/>
+        <p:nvPr/>
+      </p:nvGrpSpPr>
+      <p:grpSpPr>
+        <a:xfrm>
+          <a:off x="0" y="0"/>
+          <a:ext cx="0" cy="0"/>
+          <a:chOff x="0" y="0"/>
+          <a:chExt cx="0" cy="0"/>
+        </a:xfrm>
+      </p:grpSpPr>
+      <p:sp>
+        <p:nvSpPr>
+          <p:cNvPr id="2" name="Titolo 1"/>
+          <p:cNvSpPr>
+            <a:spLocks noGrp="1"/>
+          </p:cNvSpPr>
+          <p:nvPr>
+            <p:ph type="title"/>
+          </p:nvPr>
+        </p:nvSpPr>
+        <p:spPr>
+          <a:xfrm>
+            <a:off x="677333" y="609600"/>
+            <a:ext cx="9364737" cy="1320800"/>
+          </a:xfrm>
+        </p:spPr>
+        <p:txBody>
+          <a:bodyPr anchor="ctr">
+            <a:noAutofit/>
+          </a:bodyPr>
+          <a:lstStyle/>
+          <a:p>
+            <a:r>
+              <a:rPr lang="it-CH" dirty="0" smtClean="0"/>
+              <a:t>Implementazione</a:t>
+            </a:r>
+            <a:r>
+              <a:rPr lang="it-CH" sz="5400" dirty="0" smtClean="0"/>
+              <a:t> </a:t>
+            </a:r>
+            <a:r>
+              <a:rPr lang="it-CH" dirty="0" smtClean="0"/>
+              <a:t>– Identificazione utenti</a:t>
+            </a:r>
+            <a:endParaRPr lang="it-CH" sz="5400" dirty="0"/>
+          </a:p>
+        </p:txBody>
+      </p:sp>
+      <p:sp>
+        <p:nvSpPr>
+          <p:cNvPr id="3" name="Segnaposto contenuto 2"/>
+          <p:cNvSpPr>
+            <a:spLocks noGrp="1"/>
+          </p:cNvSpPr>
+          <p:nvPr>
+            <p:ph idx="1"/>
+          </p:nvPr>
+        </p:nvSpPr>
+        <p:spPr/>
+        <p:txBody>
+          <a:bodyPr>
+            <a:noAutofit/>
+          </a:bodyPr>
+          <a:lstStyle/>
+          <a:p>
+            <a:pPr marL="0" indent="0">
+              <a:buNone/>
+            </a:pPr>
+            <a:r>
+              <a:rPr lang="en-US" sz="1400" dirty="0" smtClean="0"/>
+              <a:t>$</a:t>
+            </a:r>
+            <a:r>
+              <a:rPr lang="en-US" sz="1400" dirty="0" err="1"/>
+              <a:t>ldap_dn</a:t>
+            </a:r>
+            <a:r>
+              <a:rPr lang="en-US" sz="1400" dirty="0"/>
+              <a:t> = $_POST["username"]."@</a:t>
+            </a:r>
+            <a:r>
+              <a:rPr lang="en-US" sz="1400" dirty="0" err="1"/>
+              <a:t>cpt.local</a:t>
+            </a:r>
+            <a:r>
+              <a:rPr lang="en-US" sz="1400" dirty="0" smtClean="0"/>
+              <a:t>";</a:t>
+            </a:r>
+            <a:br>
+              <a:rPr lang="en-US" sz="1400" dirty="0" smtClean="0"/>
+            </a:br>
+            <a:r>
+              <a:rPr lang="en-US" sz="1400" dirty="0" smtClean="0"/>
+              <a:t>$</a:t>
+            </a:r>
+            <a:r>
+              <a:rPr lang="en-US" sz="1400" dirty="0" err="1"/>
+              <a:t>ldap_password</a:t>
+            </a:r>
+            <a:r>
+              <a:rPr lang="en-US" sz="1400" dirty="0"/>
+              <a:t> = $_POST["pass</a:t>
+            </a:r>
+            <a:r>
+              <a:rPr lang="en-US" sz="1400" dirty="0" smtClean="0"/>
+              <a:t>"];</a:t>
+            </a:r>
+            <a:endParaRPr lang="it-CH" sz="1400" dirty="0"/>
+          </a:p>
+          <a:p>
+            <a:pPr marL="0" indent="0">
+              <a:buNone/>
+            </a:pPr>
+            <a:r>
+              <a:rPr lang="en-US" sz="1400" dirty="0"/>
+              <a:t>$link = </a:t>
+            </a:r>
+            <a:r>
+              <a:rPr lang="en-US" sz="1400" dirty="0" err="1"/>
+              <a:t>ldap_connect</a:t>
+            </a:r>
+            <a:r>
+              <a:rPr lang="en-US" sz="1400" dirty="0"/>
+              <a:t>('</a:t>
+            </a:r>
+            <a:r>
+              <a:rPr lang="en-US" sz="1400" dirty="0" err="1"/>
+              <a:t>cpt.local</a:t>
+            </a:r>
+            <a:r>
+              <a:rPr lang="en-US" sz="1400" dirty="0"/>
+              <a:t>');</a:t>
+            </a:r>
+            <a:endParaRPr lang="it-CH" sz="1400" dirty="0"/>
+          </a:p>
+          <a:p>
+            <a:pPr marL="0" indent="0">
+              <a:buNone/>
+            </a:pPr>
+            <a:r>
+              <a:rPr lang="it-CH" sz="1400" dirty="0" err="1" smtClean="0"/>
+              <a:t>if</a:t>
+            </a:r>
+            <a:r>
+              <a:rPr lang="it-CH" sz="1400" dirty="0"/>
+              <a:t>(! $link) </a:t>
+            </a:r>
+            <a:r>
+              <a:rPr lang="it-CH" sz="1400" dirty="0" smtClean="0"/>
+              <a:t>{</a:t>
+            </a:r>
+            <a:br>
+              <a:rPr lang="it-CH" sz="1400" dirty="0" smtClean="0"/>
+            </a:br>
+            <a:r>
+              <a:rPr lang="it-CH" sz="1400" dirty="0" smtClean="0"/>
+              <a:t>	</a:t>
+            </a:r>
+            <a:r>
+              <a:rPr lang="it-CH" sz="1400" dirty="0" err="1" smtClean="0"/>
+              <a:t>echo</a:t>
+            </a:r>
+            <a:r>
+              <a:rPr lang="it-CH" sz="1400" dirty="0" smtClean="0"/>
+              <a:t> </a:t>
+            </a:r>
+            <a:r>
+              <a:rPr lang="it-CH" sz="1400" dirty="0"/>
+              <a:t>"Impossibile connettersi al dominio </a:t>
+            </a:r>
+            <a:r>
+              <a:rPr lang="it-CH" sz="1400" dirty="0" err="1"/>
+              <a:t>cpt.local</a:t>
+            </a:r>
+            <a:r>
+              <a:rPr lang="it-CH" sz="1400" dirty="0" smtClean="0"/>
+              <a:t>";</a:t>
+            </a:r>
+            <a:br>
+              <a:rPr lang="it-CH" sz="1400" dirty="0" smtClean="0"/>
+            </a:br>
+            <a:r>
+              <a:rPr lang="en-US" sz="1400" dirty="0" smtClean="0"/>
+              <a:t>}</a:t>
+            </a:r>
+            <a:endParaRPr lang="it-CH" sz="1400" dirty="0"/>
+          </a:p>
+          <a:p>
+            <a:pPr marL="0" indent="0">
+              <a:buNone/>
+            </a:pPr>
+            <a:r>
+              <a:rPr lang="en-US" sz="1400" dirty="0" err="1"/>
+              <a:t>ldap_set_option</a:t>
+            </a:r>
+            <a:r>
+              <a:rPr lang="en-US" sz="1400" dirty="0"/>
+              <a:t>($link, LDAP_OPT_PROTOCOL_VERSION, 3</a:t>
+            </a:r>
+            <a:r>
+              <a:rPr lang="en-US" sz="1400" dirty="0" smtClean="0"/>
+              <a:t>);</a:t>
+            </a:r>
+            <a:endParaRPr lang="it-CH" sz="1400" dirty="0"/>
+          </a:p>
+          <a:p>
+            <a:pPr marL="0" indent="0">
+              <a:buNone/>
+            </a:pPr>
+            <a:r>
+              <a:rPr lang="en-US" sz="1400" dirty="0"/>
+              <a:t>// Now try to authenticate with credentials provided </a:t>
+            </a:r>
+            <a:r>
+              <a:rPr lang="en-US" sz="1400"/>
+              <a:t>by </a:t>
+            </a:r>
+            <a:r>
+              <a:rPr lang="en-US" sz="1400" smtClean="0"/>
+              <a:t>user</a:t>
+            </a:r>
+          </a:p>
+          <a:p>
+            <a:pPr marL="0" indent="0">
+              <a:buNone/>
+            </a:pPr>
+            <a:r>
+              <a:rPr lang="en-US" sz="1400" smtClean="0"/>
+              <a:t>if </a:t>
+            </a:r>
+            <a:r>
+              <a:rPr lang="en-US" sz="1400" dirty="0"/>
+              <a:t>(@</a:t>
+            </a:r>
+            <a:r>
+              <a:rPr lang="en-US" sz="1400" dirty="0" err="1"/>
+              <a:t>ldap_bind</a:t>
+            </a:r>
+            <a:r>
+              <a:rPr lang="en-US" sz="1400" dirty="0"/>
+              <a:t>($link, $</a:t>
+            </a:r>
+            <a:r>
+              <a:rPr lang="en-US" sz="1400" dirty="0" err="1"/>
+              <a:t>ldap_dn</a:t>
+            </a:r>
+            <a:r>
+              <a:rPr lang="en-US" sz="1400" dirty="0"/>
+              <a:t>, $</a:t>
+            </a:r>
+            <a:r>
+              <a:rPr lang="en-US" sz="1400" dirty="0" err="1"/>
+              <a:t>ldap_password</a:t>
+            </a:r>
+            <a:r>
+              <a:rPr lang="en-US" sz="1400" dirty="0"/>
+              <a:t>)) </a:t>
+            </a:r>
+            <a:r>
+              <a:rPr lang="en-US" sz="1400" dirty="0" smtClean="0"/>
+              <a:t>{</a:t>
+            </a:r>
+            <a:br>
+              <a:rPr lang="en-US" sz="1400" dirty="0" smtClean="0"/>
+            </a:br>
+            <a:r>
+              <a:rPr lang="en-US" sz="1400" dirty="0"/>
+              <a:t>	echo </a:t>
+            </a:r>
+            <a:r>
+              <a:rPr lang="en-US" sz="1400" dirty="0" err="1"/>
+              <a:t>file_get_contents</a:t>
+            </a:r>
+            <a:r>
+              <a:rPr lang="en-US" sz="1400" dirty="0"/>
+              <a:t>("</a:t>
+            </a:r>
+            <a:r>
+              <a:rPr lang="en-US" sz="1400" dirty="0" err="1"/>
+              <a:t>page.php</a:t>
+            </a:r>
+            <a:r>
+              <a:rPr lang="en-US" sz="1400" dirty="0" smtClean="0"/>
+              <a:t>");</a:t>
+            </a:r>
+            <a:br>
+              <a:rPr lang="en-US" sz="1400" dirty="0" smtClean="0"/>
+            </a:br>
+            <a:r>
+              <a:rPr lang="en-US" sz="1400" dirty="0" smtClean="0"/>
+              <a:t>}</a:t>
+            </a:r>
+            <a:r>
+              <a:rPr lang="en-US" sz="1400" dirty="0"/>
+              <a:t>else</a:t>
+            </a:r>
+            <a:r>
+              <a:rPr lang="en-US" sz="1400" dirty="0" smtClean="0"/>
+              <a:t>{</a:t>
+            </a:r>
+            <a:br>
+              <a:rPr lang="en-US" sz="1400" dirty="0" smtClean="0"/>
+            </a:br>
+            <a:r>
+              <a:rPr lang="en-US" sz="1400" dirty="0"/>
+              <a:t>	echo </a:t>
+            </a:r>
+            <a:r>
+              <a:rPr lang="en-US" sz="1400" dirty="0" err="1"/>
+              <a:t>file_get_contents</a:t>
+            </a:r>
+            <a:r>
+              <a:rPr lang="en-US" sz="1400" dirty="0"/>
+              <a:t>("</a:t>
+            </a:r>
+            <a:r>
+              <a:rPr lang="en-US" sz="1400" dirty="0" err="1"/>
+              <a:t>credenziali.php</a:t>
+            </a:r>
+            <a:r>
+              <a:rPr lang="en-US" sz="1400" dirty="0" smtClean="0"/>
+              <a:t>");</a:t>
+            </a:r>
+            <a:br>
+              <a:rPr lang="en-US" sz="1400" dirty="0" smtClean="0"/>
+            </a:br>
+            <a:r>
+              <a:rPr lang="en-US" sz="1400" dirty="0" smtClean="0"/>
+              <a:t>}</a:t>
+            </a:r>
+            <a:endParaRPr lang="it-CH" sz="1400" dirty="0"/>
+          </a:p>
+          <a:p>
+            <a:pPr marL="0" indent="0">
+              <a:buNone/>
+            </a:pPr>
+            <a:endParaRPr lang="it-CH" sz="1400" dirty="0"/>
+          </a:p>
+        </p:txBody>
+      </p:sp>
+    </p:spTree>
+    <p:extLst>
+      <p:ext uri="{BB962C8B-B14F-4D97-AF65-F5344CB8AC3E}">
+        <p14:creationId xmlns:p14="http://schemas.microsoft.com/office/powerpoint/2010/main" val="3632029032"/>
+      </p:ext>
+    </p:extLst>
+  </p:cSld>
+  <p:clrMapOvr>
+    <a:masterClrMapping/>
+  </p:clrMapOvr>
+  <mc:AlternateContent xmlns:mc="http://schemas.openxmlformats.org/markup-compatibility/2006" xmlns:p14="http://schemas.microsoft.com/office/powerpoint/2010/main">
+    <mc:Choice Requires="p14">
+      <p:transition p14:dur="0"/>
+    </mc:Choice>
+    <mc:Fallback xmlns="">
+      <p:transition/>
+    </mc:Fallback>
+  </mc:AlternateContent>
+  <p:timing>
+    <p:tnLst>
+      <p:par>
+        <p:cTn id="1" dur="indefinite" restart="never" nodeType="tmRoot"/>
+      </p:par>
+    </p:tnLst>
+  </p:timing>
+</p:sld>
+</file>
+
+<file path=ppt/slides/slide12.xml><?xml version="1.0" encoding="utf-8"?>
+<p:sld xmlns:a="http://schemas.openxmlformats.org/drawingml/2006/main" xmlns:r="http://schemas.openxmlformats.org/officeDocument/2006/relationships" xmlns:p="http://schemas.openxmlformats.org/presentationml/2006/main">
+  <p:cSld>
+    <p:spTree>
+      <p:nvGrpSpPr>
+        <p:cNvPr id="1" name=""/>
+        <p:cNvGrpSpPr/>
+        <p:nvPr/>
+      </p:nvGrpSpPr>
+      <p:grpSpPr>
+        <a:xfrm>
+          <a:off x="0" y="0"/>
+          <a:ext cx="0" cy="0"/>
+          <a:chOff x="0" y="0"/>
+          <a:chExt cx="0" cy="0"/>
+        </a:xfrm>
+      </p:grpSpPr>
+      <p:sp>
+        <p:nvSpPr>
+          <p:cNvPr id="2" name="Titolo 1"/>
+          <p:cNvSpPr>
+            <a:spLocks noGrp="1"/>
+          </p:cNvSpPr>
+          <p:nvPr>
+            <p:ph type="ctrTitle"/>
+          </p:nvPr>
+        </p:nvSpPr>
+        <p:spPr/>
+        <p:txBody>
+          <a:bodyPr/>
+          <a:lstStyle/>
+          <a:p>
+            <a:r>
+              <a:rPr lang="it-CH" dirty="0"/>
+              <a:t>Domande?</a:t>
+            </a:r>
+          </a:p>
+        </p:txBody>
+      </p:sp>
+      <p:sp>
+        <p:nvSpPr>
+          <p:cNvPr id="3" name="Sottotitolo 2"/>
+          <p:cNvSpPr>
+            <a:spLocks noGrp="1"/>
+          </p:cNvSpPr>
+          <p:nvPr>
+            <p:ph type="subTitle" idx="1"/>
+          </p:nvPr>
+        </p:nvSpPr>
+        <p:spPr/>
+        <p:txBody>
+          <a:bodyPr/>
+          <a:lstStyle/>
+          <a:p>
+            <a:r>
+              <a:rPr lang="it-CH" dirty="0"/>
+              <a:t>Grazie per l’attenzione</a:t>
+            </a:r>
+          </a:p>
+        </p:txBody>
+      </p:sp>
+    </p:spTree>
+    <p:extLst>
+      <p:ext uri="{BB962C8B-B14F-4D97-AF65-F5344CB8AC3E}">
+        <p14:creationId xmlns:p14="http://schemas.microsoft.com/office/powerpoint/2010/main" val="3388456518"/>
+      </p:ext>
+    </p:extLst>
+  </p:cSld>
+  <p:clrMapOvr>
+    <a:masterClrMapping/>
+  </p:clrMapOvr>
+  <p:transition spd="slow">
+    <p:cover/>
+  </p:transition>
+  <p:timing>
+    <p:tnLst>
+      <p:par>
+        <p:cTn id="1" dur="indefinite" restart="never" nodeType="tmRoot"/>
+      </p:par>
+    </p:tnLst>
+  </p:timing>
+</p:sld>
+</file>
+
 <file path=ppt/slides/slide2.xml><?xml version="1.0" encoding="utf-8"?>
 <p:sld xmlns:a="http://schemas.openxmlformats.org/drawingml/2006/main" xmlns:r="http://schemas.openxmlformats.org/officeDocument/2006/relationships" xmlns:p="http://schemas.openxmlformats.org/presentationml/2006/main">
   <p:cSld>
@@ -6620,18 +7631,20 @@
           </a:p>
           <a:p>
             <a:r>
-              <a:rPr lang="it-CH" sz="2400" smtClean="0"/>
+              <a:rPr lang="it-CH" sz="2400" dirty="0" smtClean="0"/>
               <a:t>Requisiti</a:t>
             </a:r>
           </a:p>
           <a:p>
             <a:r>
-              <a:rPr lang="it-CH" sz="2400" smtClean="0"/>
-              <a:t>Implementazione </a:t>
-            </a:r>
-            <a:r>
               <a:rPr lang="it-CH" sz="2400" dirty="0" smtClean="0"/>
-              <a:t>e Test</a:t>
+              <a:t>Progettazione</a:t>
+            </a:r>
+          </a:p>
+          <a:p>
+            <a:r>
+              <a:rPr lang="it-CH" sz="2400" dirty="0" smtClean="0"/>
+              <a:t>Implementazione e Test</a:t>
             </a:r>
             <a:endParaRPr lang="it-CH" sz="2400" dirty="0"/>
           </a:p>
@@ -7138,11 +8151,11 @@
   <p:clrMapOvr>
     <a:masterClrMapping/>
   </p:clrMapOvr>
-  <mc:AlternateContent xmlns:mc="http://schemas.openxmlformats.org/markup-compatibility/2006">
-    <mc:Choice xmlns:p14="http://schemas.microsoft.com/office/powerpoint/2010/main" Requires="p14">
+  <mc:AlternateContent xmlns:mc="http://schemas.openxmlformats.org/markup-compatibility/2006" xmlns:p14="http://schemas.microsoft.com/office/powerpoint/2010/main">
+    <mc:Choice Requires="p14">
       <p:transition p14:dur="10"/>
     </mc:Choice>
-    <mc:Fallback>
+    <mc:Fallback xmlns="">
       <p:transition/>
     </mc:Fallback>
   </mc:AlternateContent>
@@ -7384,44 +8397,64 @@
           <a:p>
             <a:r>
               <a:rPr lang="it-CH" dirty="0" smtClean="0"/>
-              <a:t>Implementazione</a:t>
-            </a:r>
-            <a:r>
-              <a:rPr lang="it-CH" sz="5400" dirty="0" smtClean="0"/>
-              <a:t> </a:t>
-            </a:r>
+              <a:t>Progettazione - Dati</a:t>
+            </a:r>
+            <a:endParaRPr lang="it-CH" sz="5400" dirty="0"/>
+          </a:p>
+        </p:txBody>
+      </p:sp>
+      <p:sp>
+        <p:nvSpPr>
+          <p:cNvPr id="3" name="Segnaposto contenuto 2"/>
+          <p:cNvSpPr>
+            <a:spLocks noGrp="1"/>
+          </p:cNvSpPr>
+          <p:nvPr>
+            <p:ph idx="1"/>
+          </p:nvPr>
+        </p:nvSpPr>
+        <p:spPr/>
+        <p:txBody>
+          <a:bodyPr/>
+          <a:lstStyle/>
+          <a:p>
             <a:r>
               <a:rPr lang="it-CH" dirty="0" smtClean="0"/>
-              <a:t>e</a:t>
-            </a:r>
-            <a:r>
-              <a:rPr lang="it-CH" sz="5400" dirty="0" smtClean="0"/>
-              <a:t> </a:t>
-            </a:r>
+              <a:t>Aule:</a:t>
+            </a:r>
+          </a:p>
+          <a:p>
+            <a:pPr lvl="1"/>
             <a:r>
               <a:rPr lang="it-CH" dirty="0" smtClean="0"/>
-              <a:t>test</a:t>
-            </a:r>
-            <a:endParaRPr lang="it-CH" sz="5400" dirty="0"/>
-          </a:p>
-        </p:txBody>
-      </p:sp>
-      <p:sp>
-        <p:nvSpPr>
-          <p:cNvPr id="3" name="Segnaposto contenuto 2"/>
-          <p:cNvSpPr>
-            <a:spLocks noGrp="1"/>
-          </p:cNvSpPr>
-          <p:nvPr>
-            <p:ph idx="1"/>
-          </p:nvPr>
-        </p:nvSpPr>
-        <p:spPr/>
-        <p:txBody>
-          <a:bodyPr/>
-          <a:lstStyle/>
-          <a:p>
-            <a:endParaRPr lang="it-CH"/>
+              <a:t>Sito del </a:t>
+            </a:r>
+            <a:r>
+              <a:rPr lang="it-CH" dirty="0" err="1" smtClean="0"/>
+              <a:t>cpt</a:t>
+            </a:r>
+            <a:endParaRPr lang="it-CH" dirty="0" smtClean="0"/>
+          </a:p>
+          <a:p>
+            <a:r>
+              <a:rPr lang="it-CH" dirty="0" smtClean="0"/>
+              <a:t>Account:</a:t>
+            </a:r>
+          </a:p>
+          <a:p>
+            <a:pPr lvl="1"/>
+            <a:r>
+              <a:rPr lang="it-CH" dirty="0" smtClean="0"/>
+              <a:t>Da scuola</a:t>
+            </a:r>
+          </a:p>
+          <a:p>
+            <a:pPr lvl="1"/>
+            <a:r>
+              <a:rPr lang="it-CH" dirty="0" smtClean="0"/>
+              <a:t>Solo Amministratore e docenti</a:t>
+            </a:r>
+            <a:endParaRPr lang="it-CH" dirty="0"/>
           </a:p>
         </p:txBody>
       </p:sp>
@@ -7477,56 +8510,1682 @@
             <a:spLocks noGrp="1"/>
           </p:cNvSpPr>
           <p:nvPr>
-            <p:ph type="ctrTitle"/>
+            <p:ph type="title"/>
           </p:nvPr>
         </p:nvSpPr>
         <p:spPr/>
         <p:txBody>
-          <a:bodyPr/>
-          <a:lstStyle/>
-          <a:p>
-            <a:r>
-              <a:rPr lang="it-CH" dirty="0"/>
-              <a:t>Domande?</a:t>
-            </a:r>
-          </a:p>
-        </p:txBody>
-      </p:sp>
-      <p:sp>
-        <p:nvSpPr>
-          <p:cNvPr id="3" name="Sottotitolo 2"/>
-          <p:cNvSpPr>
-            <a:spLocks noGrp="1"/>
-          </p:cNvSpPr>
-          <p:nvPr>
-            <p:ph type="subTitle" idx="1"/>
-          </p:nvPr>
-        </p:nvSpPr>
-        <p:spPr/>
-        <p:txBody>
-          <a:bodyPr/>
-          <a:lstStyle/>
-          <a:p>
-            <a:r>
-              <a:rPr lang="it-CH" dirty="0"/>
-              <a:t>Grazie per l’attenzione</a:t>
-            </a:r>
+          <a:bodyPr anchor="ctr">
+            <a:noAutofit/>
+          </a:bodyPr>
+          <a:lstStyle/>
+          <a:p>
+            <a:r>
+              <a:rPr lang="it-CH" dirty="0" smtClean="0"/>
+              <a:t>Progettazione – Design interfacce</a:t>
+            </a:r>
+            <a:endParaRPr lang="it-CH" sz="5400" dirty="0"/>
+          </a:p>
+        </p:txBody>
+      </p:sp>
+      <p:sp>
+        <p:nvSpPr>
+          <p:cNvPr id="8" name="Rectangle 7"/>
+          <p:cNvSpPr>
+            <a:spLocks noChangeArrowheads="1"/>
+          </p:cNvSpPr>
+          <p:nvPr/>
+        </p:nvSpPr>
+        <p:spPr bwMode="auto">
+          <a:xfrm>
+            <a:off x="677334" y="2082800"/>
+            <a:ext cx="9219912" cy="4217792"/>
+          </a:xfrm>
+          <a:prstGeom prst="rect">
+            <a:avLst/>
+          </a:prstGeom>
+          <a:solidFill>
+            <a:srgbClr val="EDEDED"/>
+          </a:solidFill>
+          <a:ln w="9525">
+            <a:solidFill>
+              <a:srgbClr val="000000"/>
+            </a:solidFill>
+            <a:miter lim="800000"/>
+            <a:headEnd/>
+            <a:tailEnd/>
+          </a:ln>
+        </p:spPr>
+        <p:txBody>
+          <a:bodyPr vert="horz" wrap="square" lIns="91440" tIns="45720" rIns="91440" bIns="45720" numCol="1" anchor="t" anchorCtr="0" compatLnSpc="1">
+            <a:prstTxWarp prst="textNoShape">
+              <a:avLst/>
+            </a:prstTxWarp>
+          </a:bodyPr>
+          <a:lstStyle/>
+          <a:p>
+            <a:pPr marL="0" marR="0" lvl="0" indent="0" algn="l" defTabSz="914400" rtl="0" eaLnBrk="0" fontAlgn="base" latinLnBrk="0" hangingPunct="0">
+              <a:lnSpc>
+                <a:spcPct val="100000"/>
+              </a:lnSpc>
+              <a:spcBef>
+                <a:spcPct val="0"/>
+              </a:spcBef>
+              <a:spcAft>
+                <a:spcPct val="0"/>
+              </a:spcAft>
+              <a:buClrTx/>
+              <a:buSzTx/>
+              <a:buFontTx/>
+              <a:buNone/>
+              <a:tabLst/>
+            </a:pPr>
+            <a:r>
+              <a:rPr kumimoji="0" lang="it-CH" altLang="it-CH" sz="1600" b="0" i="0" u="none" strike="noStrike" cap="none" normalizeH="0" baseline="0" dirty="0" smtClean="0">
+                <a:ln>
+                  <a:noFill/>
+                </a:ln>
+                <a:solidFill>
+                  <a:schemeClr val="tx1"/>
+                </a:solidFill>
+                <a:effectLst/>
+                <a:latin typeface="Arial" panose="020B0604020202020204" pitchFamily="34" charset="0"/>
+                <a:ea typeface="Times New Roman" panose="02020603050405020304" pitchFamily="18" charset="0"/>
+                <a:cs typeface="Arial" panose="020B0604020202020204" pitchFamily="34" charset="0"/>
+              </a:rPr>
+              <a:t>Schermata di login</a:t>
+            </a:r>
+            <a:endParaRPr kumimoji="0" lang="it-CH" altLang="it-CH" sz="3600" b="0" i="0" u="none" strike="noStrike" cap="none" normalizeH="0" baseline="0" dirty="0" smtClean="0">
+              <a:ln>
+                <a:noFill/>
+              </a:ln>
+              <a:solidFill>
+                <a:schemeClr val="tx1"/>
+              </a:solidFill>
+              <a:effectLst/>
+              <a:latin typeface="Arial" panose="020B0604020202020204" pitchFamily="34" charset="0"/>
+            </a:endParaRPr>
+          </a:p>
+        </p:txBody>
+      </p:sp>
+      <p:sp>
+        <p:nvSpPr>
+          <p:cNvPr id="9" name="Rectangle 8"/>
+          <p:cNvSpPr>
+            <a:spLocks noChangeArrowheads="1"/>
+          </p:cNvSpPr>
+          <p:nvPr/>
+        </p:nvSpPr>
+        <p:spPr bwMode="auto">
+          <a:xfrm>
+            <a:off x="958153" y="2386012"/>
+            <a:ext cx="8537611" cy="3582250"/>
+          </a:xfrm>
+          <a:prstGeom prst="rect">
+            <a:avLst/>
+          </a:prstGeom>
+          <a:solidFill>
+            <a:srgbClr val="FFFFFF"/>
+          </a:solidFill>
+          <a:ln w="9525">
+            <a:solidFill>
+              <a:srgbClr val="000000"/>
+            </a:solidFill>
+            <a:miter lim="800000"/>
+            <a:headEnd/>
+            <a:tailEnd/>
+          </a:ln>
+        </p:spPr>
+        <p:txBody>
+          <a:bodyPr vert="horz" wrap="square" lIns="91440" tIns="45720" rIns="91440" bIns="45720" numCol="1" anchor="t" anchorCtr="0" compatLnSpc="1">
+            <a:prstTxWarp prst="textNoShape">
+              <a:avLst/>
+            </a:prstTxWarp>
+          </a:bodyPr>
+          <a:lstStyle/>
+          <a:p>
+            <a:endParaRPr lang="it-CH"/>
+          </a:p>
+        </p:txBody>
+      </p:sp>
+      <p:sp>
+        <p:nvSpPr>
+          <p:cNvPr id="10" name="Rectangle 10"/>
+          <p:cNvSpPr>
+            <a:spLocks noChangeArrowheads="1"/>
+          </p:cNvSpPr>
+          <p:nvPr/>
+        </p:nvSpPr>
+        <p:spPr bwMode="auto">
+          <a:xfrm>
+            <a:off x="1678419" y="3426952"/>
+            <a:ext cx="6866717" cy="527683"/>
+          </a:xfrm>
+          <a:prstGeom prst="rect">
+            <a:avLst/>
+          </a:prstGeom>
+          <a:solidFill>
+            <a:srgbClr val="FFFFFF"/>
+          </a:solidFill>
+          <a:ln w="9525">
+            <a:solidFill>
+              <a:srgbClr val="000000"/>
+            </a:solidFill>
+            <a:miter lim="800000"/>
+            <a:headEnd/>
+            <a:tailEnd/>
+          </a:ln>
+        </p:spPr>
+        <p:txBody>
+          <a:bodyPr vert="horz" wrap="square" lIns="91440" tIns="45720" rIns="91440" bIns="45720" numCol="1" anchor="t" anchorCtr="0" compatLnSpc="1">
+            <a:prstTxWarp prst="textNoShape">
+              <a:avLst/>
+            </a:prstTxWarp>
+          </a:bodyPr>
+          <a:lstStyle/>
+          <a:p>
+            <a:pPr marL="0" marR="0" lvl="0" indent="0" algn="l" defTabSz="914400" rtl="0" eaLnBrk="0" fontAlgn="base" latinLnBrk="0" hangingPunct="0">
+              <a:lnSpc>
+                <a:spcPct val="100000"/>
+              </a:lnSpc>
+              <a:spcBef>
+                <a:spcPct val="0"/>
+              </a:spcBef>
+              <a:spcAft>
+                <a:spcPct val="0"/>
+              </a:spcAft>
+              <a:buClrTx/>
+              <a:buSzTx/>
+              <a:buFontTx/>
+              <a:buNone/>
+              <a:tabLst/>
+            </a:pPr>
+            <a:endParaRPr kumimoji="0" lang="it-CH" altLang="it-CH" sz="1400" b="0" i="0" u="none" strike="noStrike" cap="none" normalizeH="0" baseline="0" smtClean="0">
+              <a:ln>
+                <a:noFill/>
+              </a:ln>
+              <a:solidFill>
+                <a:schemeClr val="tx1"/>
+              </a:solidFill>
+              <a:effectLst/>
+              <a:latin typeface="Arial" panose="020B0604020202020204" pitchFamily="34" charset="0"/>
+              <a:ea typeface="Times New Roman" panose="02020603050405020304" pitchFamily="18" charset="0"/>
+              <a:cs typeface="Arial" panose="020B0604020202020204" pitchFamily="34" charset="0"/>
+            </a:endParaRPr>
+          </a:p>
+          <a:p>
+            <a:pPr marL="0" marR="0" lvl="0" indent="0" algn="l" defTabSz="914400" rtl="0" eaLnBrk="0" fontAlgn="base" latinLnBrk="0" hangingPunct="0">
+              <a:lnSpc>
+                <a:spcPct val="100000"/>
+              </a:lnSpc>
+              <a:spcBef>
+                <a:spcPct val="0"/>
+              </a:spcBef>
+              <a:spcAft>
+                <a:spcPct val="0"/>
+              </a:spcAft>
+              <a:buClrTx/>
+              <a:buSzTx/>
+              <a:buFontTx/>
+              <a:buNone/>
+              <a:tabLst/>
+            </a:pPr>
+            <a:r>
+              <a:rPr kumimoji="0" lang="it-CH" altLang="it-CH" sz="1400" b="0" i="0" u="none" strike="noStrike" cap="none" normalizeH="0" baseline="0" smtClean="0">
+                <a:ln>
+                  <a:noFill/>
+                </a:ln>
+                <a:solidFill>
+                  <a:schemeClr val="tx1"/>
+                </a:solidFill>
+                <a:effectLst/>
+                <a:latin typeface="Arial" panose="020B0604020202020204" pitchFamily="34" charset="0"/>
+                <a:ea typeface="Times New Roman" panose="02020603050405020304" pitchFamily="18" charset="0"/>
+                <a:cs typeface="Arial" panose="020B0604020202020204" pitchFamily="34" charset="0"/>
+              </a:rPr>
+              <a:t>Username</a:t>
+            </a:r>
+            <a:endParaRPr kumimoji="0" lang="it-CH" altLang="it-CH" sz="3200" b="0" i="0" u="none" strike="noStrike" cap="none" normalizeH="0" baseline="0" smtClean="0">
+              <a:ln>
+                <a:noFill/>
+              </a:ln>
+              <a:solidFill>
+                <a:schemeClr val="tx1"/>
+              </a:solidFill>
+              <a:effectLst/>
+              <a:latin typeface="Arial" panose="020B0604020202020204" pitchFamily="34" charset="0"/>
+            </a:endParaRPr>
+          </a:p>
+        </p:txBody>
+      </p:sp>
+      <p:sp>
+        <p:nvSpPr>
+          <p:cNvPr id="11" name="Rectangle 9"/>
+          <p:cNvSpPr>
+            <a:spLocks noChangeArrowheads="1"/>
+          </p:cNvSpPr>
+          <p:nvPr/>
+        </p:nvSpPr>
+        <p:spPr bwMode="auto">
+          <a:xfrm>
+            <a:off x="1678419" y="4119269"/>
+            <a:ext cx="6866717" cy="548742"/>
+          </a:xfrm>
+          <a:prstGeom prst="rect">
+            <a:avLst/>
+          </a:prstGeom>
+          <a:solidFill>
+            <a:srgbClr val="FFFFFF"/>
+          </a:solidFill>
+          <a:ln w="9525">
+            <a:solidFill>
+              <a:srgbClr val="000000"/>
+            </a:solidFill>
+            <a:miter lim="800000"/>
+            <a:headEnd/>
+            <a:tailEnd/>
+          </a:ln>
+        </p:spPr>
+        <p:txBody>
+          <a:bodyPr vert="horz" wrap="square" lIns="91440" tIns="45720" rIns="91440" bIns="45720" numCol="1" anchor="t" anchorCtr="0" compatLnSpc="1">
+            <a:prstTxWarp prst="textNoShape">
+              <a:avLst/>
+            </a:prstTxWarp>
+          </a:bodyPr>
+          <a:lstStyle/>
+          <a:p>
+            <a:pPr marL="0" marR="0" lvl="0" indent="0" algn="l" defTabSz="914400" rtl="0" eaLnBrk="0" fontAlgn="base" latinLnBrk="0" hangingPunct="0">
+              <a:lnSpc>
+                <a:spcPct val="100000"/>
+              </a:lnSpc>
+              <a:spcBef>
+                <a:spcPct val="0"/>
+              </a:spcBef>
+              <a:spcAft>
+                <a:spcPct val="0"/>
+              </a:spcAft>
+              <a:buClrTx/>
+              <a:buSzTx/>
+              <a:buFontTx/>
+              <a:buNone/>
+              <a:tabLst/>
+            </a:pPr>
+            <a:endParaRPr kumimoji="0" lang="it-CH" altLang="it-CH" sz="1400" b="0" i="0" u="none" strike="noStrike" cap="none" normalizeH="0" baseline="0" smtClean="0">
+              <a:ln>
+                <a:noFill/>
+              </a:ln>
+              <a:solidFill>
+                <a:schemeClr val="tx1"/>
+              </a:solidFill>
+              <a:effectLst/>
+              <a:latin typeface="Arial" panose="020B0604020202020204" pitchFamily="34" charset="0"/>
+              <a:ea typeface="Times New Roman" panose="02020603050405020304" pitchFamily="18" charset="0"/>
+              <a:cs typeface="Arial" panose="020B0604020202020204" pitchFamily="34" charset="0"/>
+            </a:endParaRPr>
+          </a:p>
+          <a:p>
+            <a:pPr marL="0" marR="0" lvl="0" indent="0" algn="l" defTabSz="914400" rtl="0" eaLnBrk="0" fontAlgn="base" latinLnBrk="0" hangingPunct="0">
+              <a:lnSpc>
+                <a:spcPct val="100000"/>
+              </a:lnSpc>
+              <a:spcBef>
+                <a:spcPct val="0"/>
+              </a:spcBef>
+              <a:spcAft>
+                <a:spcPct val="0"/>
+              </a:spcAft>
+              <a:buClrTx/>
+              <a:buSzTx/>
+              <a:buFontTx/>
+              <a:buNone/>
+              <a:tabLst/>
+            </a:pPr>
+            <a:r>
+              <a:rPr kumimoji="0" lang="it-CH" altLang="it-CH" sz="1400" b="0" i="0" u="none" strike="noStrike" cap="none" normalizeH="0" baseline="0" smtClean="0">
+                <a:ln>
+                  <a:noFill/>
+                </a:ln>
+                <a:solidFill>
+                  <a:schemeClr val="tx1"/>
+                </a:solidFill>
+                <a:effectLst/>
+                <a:latin typeface="Arial" panose="020B0604020202020204" pitchFamily="34" charset="0"/>
+                <a:ea typeface="Times New Roman" panose="02020603050405020304" pitchFamily="18" charset="0"/>
+                <a:cs typeface="Arial" panose="020B0604020202020204" pitchFamily="34" charset="0"/>
+              </a:rPr>
+              <a:t>Password</a:t>
+            </a:r>
+            <a:endParaRPr kumimoji="0" lang="it-CH" altLang="it-CH" sz="3200" b="0" i="0" u="none" strike="noStrike" cap="none" normalizeH="0" baseline="0" smtClean="0">
+              <a:ln>
+                <a:noFill/>
+              </a:ln>
+              <a:solidFill>
+                <a:schemeClr val="tx1"/>
+              </a:solidFill>
+              <a:effectLst/>
+              <a:latin typeface="Arial" panose="020B0604020202020204" pitchFamily="34" charset="0"/>
+            </a:endParaRPr>
+          </a:p>
+        </p:txBody>
+      </p:sp>
+      <p:sp>
+        <p:nvSpPr>
+          <p:cNvPr id="12" name="Rectangle 12"/>
+          <p:cNvSpPr>
+            <a:spLocks noChangeArrowheads="1"/>
+          </p:cNvSpPr>
+          <p:nvPr/>
+        </p:nvSpPr>
+        <p:spPr bwMode="auto">
+          <a:xfrm>
+            <a:off x="1669940" y="5004718"/>
+            <a:ext cx="6866717" cy="542516"/>
+          </a:xfrm>
+          <a:prstGeom prst="rect">
+            <a:avLst/>
+          </a:prstGeom>
+          <a:solidFill>
+            <a:srgbClr val="EDEDED"/>
+          </a:solidFill>
+          <a:ln w="9525">
+            <a:solidFill>
+              <a:srgbClr val="000000"/>
+            </a:solidFill>
+            <a:miter lim="800000"/>
+            <a:headEnd/>
+            <a:tailEnd/>
+          </a:ln>
+        </p:spPr>
+        <p:txBody>
+          <a:bodyPr vert="horz" wrap="square" lIns="91440" tIns="45720" rIns="91440" bIns="45720" numCol="1" anchor="t" anchorCtr="0" compatLnSpc="1">
+            <a:prstTxWarp prst="textNoShape">
+              <a:avLst/>
+            </a:prstTxWarp>
+          </a:bodyPr>
+          <a:lstStyle/>
+          <a:p>
+            <a:pPr marL="0" marR="0" lvl="0" indent="0" algn="ctr" defTabSz="914400" rtl="0" eaLnBrk="0" fontAlgn="base" latinLnBrk="0" hangingPunct="0">
+              <a:lnSpc>
+                <a:spcPct val="100000"/>
+              </a:lnSpc>
+              <a:spcBef>
+                <a:spcPct val="0"/>
+              </a:spcBef>
+              <a:spcAft>
+                <a:spcPct val="0"/>
+              </a:spcAft>
+              <a:buClrTx/>
+              <a:buSzTx/>
+              <a:buFontTx/>
+              <a:buNone/>
+              <a:tabLst/>
+            </a:pPr>
+            <a:r>
+              <a:rPr kumimoji="0" lang="it-CH" altLang="it-CH" sz="1400" b="0" i="0" u="none" strike="noStrike" cap="none" normalizeH="0" baseline="0" smtClean="0">
+                <a:ln>
+                  <a:noFill/>
+                </a:ln>
+                <a:solidFill>
+                  <a:schemeClr val="tx1"/>
+                </a:solidFill>
+                <a:effectLst/>
+                <a:latin typeface="Arial" panose="020B0604020202020204" pitchFamily="34" charset="0"/>
+                <a:ea typeface="Times New Roman" panose="02020603050405020304" pitchFamily="18" charset="0"/>
+                <a:cs typeface="Arial" panose="020B0604020202020204" pitchFamily="34" charset="0"/>
+              </a:rPr>
+              <a:t>Login</a:t>
+            </a:r>
+            <a:endParaRPr kumimoji="0" lang="it-CH" altLang="it-CH" sz="4000" b="0" i="0" u="none" strike="noStrike" cap="none" normalizeH="0" baseline="0" smtClean="0">
+              <a:ln>
+                <a:noFill/>
+              </a:ln>
+              <a:solidFill>
+                <a:schemeClr val="tx1"/>
+              </a:solidFill>
+              <a:effectLst/>
+              <a:latin typeface="Arial" panose="020B0604020202020204" pitchFamily="34" charset="0"/>
+            </a:endParaRPr>
+          </a:p>
+        </p:txBody>
+      </p:sp>
+      <p:sp>
+        <p:nvSpPr>
+          <p:cNvPr id="13" name="AutoShape 11"/>
+          <p:cNvSpPr>
+            <a:spLocks noChangeArrowheads="1"/>
+          </p:cNvSpPr>
+          <p:nvPr/>
+        </p:nvSpPr>
+        <p:spPr bwMode="auto">
+          <a:xfrm>
+            <a:off x="4833959" y="2447584"/>
+            <a:ext cx="906662" cy="897051"/>
+          </a:xfrm>
+          <a:prstGeom prst="smileyFace">
+            <a:avLst>
+              <a:gd name="adj" fmla="val 4653"/>
+            </a:avLst>
+          </a:prstGeom>
+          <a:solidFill>
+            <a:srgbClr val="FFFFFF"/>
+          </a:solidFill>
+          <a:ln w="9525">
+            <a:solidFill>
+              <a:srgbClr val="000000"/>
+            </a:solidFill>
+            <a:round/>
+            <a:headEnd/>
+            <a:tailEnd/>
+          </a:ln>
+        </p:spPr>
+        <p:txBody>
+          <a:bodyPr vert="horz" wrap="square" lIns="91440" tIns="45720" rIns="91440" bIns="45720" numCol="1" anchor="t" anchorCtr="0" compatLnSpc="1">
+            <a:prstTxWarp prst="textNoShape">
+              <a:avLst/>
+            </a:prstTxWarp>
+          </a:bodyPr>
+          <a:lstStyle/>
+          <a:p>
+            <a:endParaRPr lang="it-CH"/>
+          </a:p>
+        </p:txBody>
+      </p:sp>
+      <p:sp>
+        <p:nvSpPr>
+          <p:cNvPr id="14" name="Rectangle 13"/>
+          <p:cNvSpPr>
+            <a:spLocks noChangeArrowheads="1"/>
+          </p:cNvSpPr>
+          <p:nvPr/>
+        </p:nvSpPr>
+        <p:spPr bwMode="auto">
+          <a:xfrm>
+            <a:off x="0" y="0"/>
+            <a:ext cx="12192000" cy="457200"/>
+          </a:xfrm>
+          <a:prstGeom prst="rect">
+            <a:avLst/>
+          </a:prstGeom>
+          <a:noFill/>
+          <a:ln>
+            <a:noFill/>
+          </a:ln>
+          <a:effectLst/>
+          <a:extLst>
+            <a:ext uri="{909E8E84-426E-40DD-AFC4-6F175D3DCCD1}">
+              <a14:hiddenFill xmlns:a14="http://schemas.microsoft.com/office/drawing/2010/main">
+                <a:solidFill>
+                  <a:schemeClr val="accent1"/>
+                </a:solidFill>
+              </a14:hiddenFill>
+            </a:ext>
+            <a:ext uri="{91240B29-F687-4F45-9708-019B960494DF}">
+              <a14:hiddenLine xmlns:a14="http://schemas.microsoft.com/office/drawing/2010/main" w="9525">
+                <a:solidFill>
+                  <a:schemeClr val="tx1"/>
+                </a:solidFill>
+                <a:miter lim="800000"/>
+                <a:headEnd/>
+                <a:tailEnd/>
+              </a14:hiddenLine>
+            </a:ext>
+            <a:ext uri="{AF507438-7753-43E0-B8FC-AC1667EBCBE1}">
+              <a14:hiddenEffects xmlns:a14="http://schemas.microsoft.com/office/drawing/2010/main">
+                <a:effectLst>
+                  <a:outerShdw dist="35921" dir="2700000" algn="ctr" rotWithShape="0">
+                    <a:schemeClr val="bg2"/>
+                  </a:outerShdw>
+                </a:effectLst>
+              </a14:hiddenEffects>
+            </a:ext>
+          </a:extLst>
+        </p:spPr>
+        <p:txBody>
+          <a:bodyPr vert="horz" wrap="none" lIns="366597" tIns="152352" rIns="91440" bIns="152352" numCol="1" anchor="ctr" anchorCtr="0" compatLnSpc="1">
+            <a:prstTxWarp prst="textNoShape">
+              <a:avLst/>
+            </a:prstTxWarp>
+            <a:spAutoFit/>
+          </a:bodyPr>
+          <a:lstStyle/>
+          <a:p>
+            <a:pPr marL="0" marR="0" lvl="0" indent="0" algn="l" defTabSz="914400" rtl="0" eaLnBrk="0" fontAlgn="base" latinLnBrk="0" hangingPunct="0">
+              <a:lnSpc>
+                <a:spcPct val="100000"/>
+              </a:lnSpc>
+              <a:spcBef>
+                <a:spcPct val="0"/>
+              </a:spcBef>
+              <a:spcAft>
+                <a:spcPct val="0"/>
+              </a:spcAft>
+              <a:buClrTx/>
+              <a:buSzTx/>
+              <a:buFontTx/>
+              <a:buNone/>
+              <a:tabLst/>
+            </a:pPr>
+            <a:endParaRPr kumimoji="0" lang="it-IT" altLang="it-CH" sz="1800" b="0" i="0" u="none" strike="noStrike" cap="none" normalizeH="0" baseline="0" smtClean="0">
+              <a:ln>
+                <a:noFill/>
+              </a:ln>
+              <a:solidFill>
+                <a:schemeClr val="tx1"/>
+              </a:solidFill>
+              <a:effectLst/>
+              <a:latin typeface="Arial" panose="020B0604020202020204" pitchFamily="34" charset="0"/>
+            </a:endParaRPr>
           </a:p>
         </p:txBody>
       </p:sp>
     </p:spTree>
     <p:extLst>
       <p:ext uri="{BB962C8B-B14F-4D97-AF65-F5344CB8AC3E}">
-        <p14:creationId xmlns:p14="http://schemas.microsoft.com/office/powerpoint/2010/main" val="3388456518"/>
+        <p14:creationId xmlns:p14="http://schemas.microsoft.com/office/powerpoint/2010/main" val="2749723097"/>
       </p:ext>
     </p:extLst>
   </p:cSld>
   <p:clrMapOvr>
     <a:masterClrMapping/>
   </p:clrMapOvr>
-  <p:transition spd="slow">
-    <p:cover/>
-  </p:transition>
+  <mc:AlternateContent xmlns:mc="http://schemas.openxmlformats.org/markup-compatibility/2006" xmlns:p14="http://schemas.microsoft.com/office/powerpoint/2010/main">
+    <mc:Choice Requires="p14">
+      <p:transition p14:dur="0"/>
+    </mc:Choice>
+    <mc:Fallback xmlns="">
+      <p:transition/>
+    </mc:Fallback>
+  </mc:AlternateContent>
+  <p:timing>
+    <p:tnLst>
+      <p:par>
+        <p:cTn id="1" dur="indefinite" restart="never" nodeType="tmRoot"/>
+      </p:par>
+    </p:tnLst>
+  </p:timing>
+</p:sld>
+</file>
+
+<file path=ppt/slides/slide8.xml><?xml version="1.0" encoding="utf-8"?>
+<p:sld xmlns:a="http://schemas.openxmlformats.org/drawingml/2006/main" xmlns:r="http://schemas.openxmlformats.org/officeDocument/2006/relationships" xmlns:p="http://schemas.openxmlformats.org/presentationml/2006/main">
+  <p:cSld>
+    <p:spTree>
+      <p:nvGrpSpPr>
+        <p:cNvPr id="1" name=""/>
+        <p:cNvGrpSpPr/>
+        <p:nvPr/>
+      </p:nvGrpSpPr>
+      <p:grpSpPr>
+        <a:xfrm>
+          <a:off x="0" y="0"/>
+          <a:ext cx="0" cy="0"/>
+          <a:chOff x="0" y="0"/>
+          <a:chExt cx="0" cy="0"/>
+        </a:xfrm>
+      </p:grpSpPr>
+      <p:sp>
+        <p:nvSpPr>
+          <p:cNvPr id="2" name="Titolo 1"/>
+          <p:cNvSpPr>
+            <a:spLocks noGrp="1"/>
+          </p:cNvSpPr>
+          <p:nvPr>
+            <p:ph type="title"/>
+          </p:nvPr>
+        </p:nvSpPr>
+        <p:spPr/>
+        <p:txBody>
+          <a:bodyPr anchor="ctr">
+            <a:noAutofit/>
+          </a:bodyPr>
+          <a:lstStyle/>
+          <a:p>
+            <a:r>
+              <a:rPr lang="it-CH" dirty="0" smtClean="0"/>
+              <a:t>Progettazione – Design interfacce</a:t>
+            </a:r>
+            <a:endParaRPr lang="it-CH" sz="5400" dirty="0"/>
+          </a:p>
+        </p:txBody>
+      </p:sp>
+      <p:sp>
+        <p:nvSpPr>
+          <p:cNvPr id="8" name="Rectangle 7"/>
+          <p:cNvSpPr>
+            <a:spLocks noChangeArrowheads="1"/>
+          </p:cNvSpPr>
+          <p:nvPr/>
+        </p:nvSpPr>
+        <p:spPr bwMode="auto">
+          <a:xfrm>
+            <a:off x="677334" y="2082800"/>
+            <a:ext cx="9219912" cy="4217792"/>
+          </a:xfrm>
+          <a:prstGeom prst="rect">
+            <a:avLst/>
+          </a:prstGeom>
+          <a:solidFill>
+            <a:srgbClr val="EDEDED"/>
+          </a:solidFill>
+          <a:ln w="9525">
+            <a:solidFill>
+              <a:srgbClr val="000000"/>
+            </a:solidFill>
+            <a:miter lim="800000"/>
+            <a:headEnd/>
+            <a:tailEnd/>
+          </a:ln>
+        </p:spPr>
+        <p:txBody>
+          <a:bodyPr vert="horz" wrap="square" lIns="91440" tIns="45720" rIns="91440" bIns="45720" numCol="1" anchor="t" anchorCtr="0" compatLnSpc="1">
+            <a:prstTxWarp prst="textNoShape">
+              <a:avLst/>
+            </a:prstTxWarp>
+          </a:bodyPr>
+          <a:lstStyle/>
+          <a:p>
+            <a:pPr marL="0" marR="0" lvl="0" indent="0" algn="l" defTabSz="914400" rtl="0" eaLnBrk="0" fontAlgn="base" latinLnBrk="0" hangingPunct="0">
+              <a:lnSpc>
+                <a:spcPct val="100000"/>
+              </a:lnSpc>
+              <a:spcBef>
+                <a:spcPct val="0"/>
+              </a:spcBef>
+              <a:spcAft>
+                <a:spcPct val="0"/>
+              </a:spcAft>
+              <a:buClrTx/>
+              <a:buSzTx/>
+              <a:buFontTx/>
+              <a:buNone/>
+              <a:tabLst/>
+            </a:pPr>
+            <a:r>
+              <a:rPr kumimoji="0" lang="it-CH" altLang="it-CH" sz="1600" b="0" i="0" u="none" strike="noStrike" cap="none" normalizeH="0" baseline="0" dirty="0" smtClean="0">
+                <a:ln>
+                  <a:noFill/>
+                </a:ln>
+                <a:solidFill>
+                  <a:schemeClr val="tx1"/>
+                </a:solidFill>
+                <a:effectLst/>
+                <a:latin typeface="Arial" panose="020B0604020202020204" pitchFamily="34" charset="0"/>
+                <a:ea typeface="Times New Roman" panose="02020603050405020304" pitchFamily="18" charset="0"/>
+                <a:cs typeface="Arial" panose="020B0604020202020204" pitchFamily="34" charset="0"/>
+              </a:rPr>
+              <a:t>Schermata orari</a:t>
+            </a:r>
+            <a:endParaRPr kumimoji="0" lang="it-CH" altLang="it-CH" sz="3600" b="0" i="0" u="none" strike="noStrike" cap="none" normalizeH="0" baseline="0" dirty="0" smtClean="0">
+              <a:ln>
+                <a:noFill/>
+              </a:ln>
+              <a:solidFill>
+                <a:schemeClr val="tx1"/>
+              </a:solidFill>
+              <a:effectLst/>
+              <a:latin typeface="Arial" panose="020B0604020202020204" pitchFamily="34" charset="0"/>
+            </a:endParaRPr>
+          </a:p>
+        </p:txBody>
+      </p:sp>
+      <p:sp>
+        <p:nvSpPr>
+          <p:cNvPr id="9" name="Rectangle 8"/>
+          <p:cNvSpPr>
+            <a:spLocks noChangeArrowheads="1"/>
+          </p:cNvSpPr>
+          <p:nvPr/>
+        </p:nvSpPr>
+        <p:spPr bwMode="auto">
+          <a:xfrm>
+            <a:off x="958153" y="2386012"/>
+            <a:ext cx="8537611" cy="3582250"/>
+          </a:xfrm>
+          <a:prstGeom prst="rect">
+            <a:avLst/>
+          </a:prstGeom>
+          <a:solidFill>
+            <a:srgbClr val="FFFFFF"/>
+          </a:solidFill>
+          <a:ln w="9525">
+            <a:solidFill>
+              <a:srgbClr val="000000"/>
+            </a:solidFill>
+            <a:miter lim="800000"/>
+            <a:headEnd/>
+            <a:tailEnd/>
+          </a:ln>
+        </p:spPr>
+        <p:txBody>
+          <a:bodyPr vert="horz" wrap="square" lIns="91440" tIns="45720" rIns="91440" bIns="45720" numCol="1" anchor="t" anchorCtr="0" compatLnSpc="1">
+            <a:prstTxWarp prst="textNoShape">
+              <a:avLst/>
+            </a:prstTxWarp>
+          </a:bodyPr>
+          <a:lstStyle/>
+          <a:p>
+            <a:endParaRPr lang="it-CH"/>
+          </a:p>
+        </p:txBody>
+      </p:sp>
+      <p:sp>
+        <p:nvSpPr>
+          <p:cNvPr id="14" name="Rectangle 13"/>
+          <p:cNvSpPr>
+            <a:spLocks noChangeArrowheads="1"/>
+          </p:cNvSpPr>
+          <p:nvPr/>
+        </p:nvSpPr>
+        <p:spPr bwMode="auto">
+          <a:xfrm>
+            <a:off x="0" y="0"/>
+            <a:ext cx="12192000" cy="457200"/>
+          </a:xfrm>
+          <a:prstGeom prst="rect">
+            <a:avLst/>
+          </a:prstGeom>
+          <a:noFill/>
+          <a:ln>
+            <a:noFill/>
+          </a:ln>
+          <a:effectLst/>
+          <a:extLst>
+            <a:ext uri="{909E8E84-426E-40DD-AFC4-6F175D3DCCD1}">
+              <a14:hiddenFill xmlns:a14="http://schemas.microsoft.com/office/drawing/2010/main">
+                <a:solidFill>
+                  <a:schemeClr val="accent1"/>
+                </a:solidFill>
+              </a14:hiddenFill>
+            </a:ext>
+            <a:ext uri="{91240B29-F687-4F45-9708-019B960494DF}">
+              <a14:hiddenLine xmlns:a14="http://schemas.microsoft.com/office/drawing/2010/main" w="9525">
+                <a:solidFill>
+                  <a:schemeClr val="tx1"/>
+                </a:solidFill>
+                <a:miter lim="800000"/>
+                <a:headEnd/>
+                <a:tailEnd/>
+              </a14:hiddenLine>
+            </a:ext>
+            <a:ext uri="{AF507438-7753-43E0-B8FC-AC1667EBCBE1}">
+              <a14:hiddenEffects xmlns:a14="http://schemas.microsoft.com/office/drawing/2010/main">
+                <a:effectLst>
+                  <a:outerShdw dist="35921" dir="2700000" algn="ctr" rotWithShape="0">
+                    <a:schemeClr val="bg2"/>
+                  </a:outerShdw>
+                </a:effectLst>
+              </a14:hiddenEffects>
+            </a:ext>
+          </a:extLst>
+        </p:spPr>
+        <p:txBody>
+          <a:bodyPr vert="horz" wrap="none" lIns="366597" tIns="152352" rIns="91440" bIns="152352" numCol="1" anchor="ctr" anchorCtr="0" compatLnSpc="1">
+            <a:prstTxWarp prst="textNoShape">
+              <a:avLst/>
+            </a:prstTxWarp>
+            <a:spAutoFit/>
+          </a:bodyPr>
+          <a:lstStyle/>
+          <a:p>
+            <a:pPr marL="0" marR="0" lvl="0" indent="0" algn="l" defTabSz="914400" rtl="0" eaLnBrk="0" fontAlgn="base" latinLnBrk="0" hangingPunct="0">
+              <a:lnSpc>
+                <a:spcPct val="100000"/>
+              </a:lnSpc>
+              <a:spcBef>
+                <a:spcPct val="0"/>
+              </a:spcBef>
+              <a:spcAft>
+                <a:spcPct val="0"/>
+              </a:spcAft>
+              <a:buClrTx/>
+              <a:buSzTx/>
+              <a:buFontTx/>
+              <a:buNone/>
+              <a:tabLst/>
+            </a:pPr>
+            <a:endParaRPr kumimoji="0" lang="it-IT" altLang="it-CH" sz="1800" b="0" i="0" u="none" strike="noStrike" cap="none" normalizeH="0" baseline="0" smtClean="0">
+              <a:ln>
+                <a:noFill/>
+              </a:ln>
+              <a:solidFill>
+                <a:schemeClr val="tx1"/>
+              </a:solidFill>
+              <a:effectLst/>
+              <a:latin typeface="Arial" panose="020B0604020202020204" pitchFamily="34" charset="0"/>
+            </a:endParaRPr>
+          </a:p>
+        </p:txBody>
+      </p:sp>
+      <p:sp>
+        <p:nvSpPr>
+          <p:cNvPr id="15" name="Rectangle 6"/>
+          <p:cNvSpPr>
+            <a:spLocks noChangeArrowheads="1"/>
+          </p:cNvSpPr>
+          <p:nvPr/>
+        </p:nvSpPr>
+        <p:spPr bwMode="auto">
+          <a:xfrm>
+            <a:off x="7410263" y="2585565"/>
+            <a:ext cx="1791816" cy="1700970"/>
+          </a:xfrm>
+          <a:prstGeom prst="rect">
+            <a:avLst/>
+          </a:prstGeom>
+          <a:solidFill>
+            <a:srgbClr val="FFFFFF"/>
+          </a:solidFill>
+          <a:ln w="9525">
+            <a:solidFill>
+              <a:srgbClr val="000000"/>
+            </a:solidFill>
+            <a:miter lim="800000"/>
+            <a:headEnd/>
+            <a:tailEnd/>
+          </a:ln>
+        </p:spPr>
+        <p:txBody>
+          <a:bodyPr vert="horz" wrap="square" lIns="91440" tIns="45720" rIns="91440" bIns="45720" numCol="1" anchor="t" anchorCtr="0" compatLnSpc="1">
+            <a:prstTxWarp prst="textNoShape">
+              <a:avLst/>
+            </a:prstTxWarp>
+          </a:bodyPr>
+          <a:lstStyle/>
+          <a:p>
+            <a:endParaRPr lang="it-CH"/>
+          </a:p>
+        </p:txBody>
+      </p:sp>
+      <p:sp>
+        <p:nvSpPr>
+          <p:cNvPr id="16" name="Oval 5"/>
+          <p:cNvSpPr>
+            <a:spLocks noChangeArrowheads="1"/>
+          </p:cNvSpPr>
+          <p:nvPr/>
+        </p:nvSpPr>
+        <p:spPr bwMode="auto">
+          <a:xfrm>
+            <a:off x="7570670" y="2701053"/>
+            <a:ext cx="1471001" cy="1455894"/>
+          </a:xfrm>
+          <a:prstGeom prst="ellipse">
+            <a:avLst/>
+          </a:prstGeom>
+          <a:solidFill>
+            <a:srgbClr val="FFFFFF"/>
+          </a:solidFill>
+          <a:ln w="9525">
+            <a:solidFill>
+              <a:srgbClr val="000000"/>
+            </a:solidFill>
+            <a:round/>
+            <a:headEnd/>
+            <a:tailEnd/>
+          </a:ln>
+        </p:spPr>
+        <p:txBody>
+          <a:bodyPr vert="horz" wrap="square" lIns="91440" tIns="45720" rIns="91440" bIns="45720" numCol="1" anchor="t" anchorCtr="0" compatLnSpc="1">
+            <a:prstTxWarp prst="textNoShape">
+              <a:avLst/>
+            </a:prstTxWarp>
+          </a:bodyPr>
+          <a:lstStyle/>
+          <a:p>
+            <a:pPr marL="0" marR="0" lvl="0" indent="0" algn="ctr" defTabSz="914400" rtl="0" eaLnBrk="0" fontAlgn="base" latinLnBrk="0" hangingPunct="0">
+              <a:lnSpc>
+                <a:spcPct val="100000"/>
+              </a:lnSpc>
+              <a:spcBef>
+                <a:spcPct val="0"/>
+              </a:spcBef>
+              <a:spcAft>
+                <a:spcPct val="0"/>
+              </a:spcAft>
+              <a:buClrTx/>
+              <a:buSzTx/>
+              <a:buFontTx/>
+              <a:buNone/>
+              <a:tabLst/>
+            </a:pPr>
+            <a:r>
+              <a:rPr kumimoji="0" lang="it-CH" altLang="it-CH" sz="800" b="0" i="0" u="none" strike="noStrike" cap="none" normalizeH="0" baseline="0" dirty="0" smtClean="0">
+                <a:ln>
+                  <a:noFill/>
+                </a:ln>
+                <a:solidFill>
+                  <a:schemeClr val="tx1"/>
+                </a:solidFill>
+                <a:effectLst/>
+                <a:latin typeface="Arial" panose="020B0604020202020204" pitchFamily="34" charset="0"/>
+                <a:ea typeface="Times New Roman" panose="02020603050405020304" pitchFamily="18" charset="0"/>
+                <a:cs typeface="Arial" panose="020B0604020202020204" pitchFamily="34" charset="0"/>
+              </a:rPr>
+              <a:t>OROLOGIO</a:t>
+            </a:r>
+            <a:endParaRPr kumimoji="0" lang="it-CH" altLang="it-CH" sz="1800" b="0" i="0" u="none" strike="noStrike" cap="none" normalizeH="0" baseline="0" dirty="0" smtClean="0">
+              <a:ln>
+                <a:noFill/>
+              </a:ln>
+              <a:solidFill>
+                <a:schemeClr val="tx1"/>
+              </a:solidFill>
+              <a:effectLst/>
+              <a:latin typeface="Arial" panose="020B0604020202020204" pitchFamily="34" charset="0"/>
+            </a:endParaRPr>
+          </a:p>
+        </p:txBody>
+      </p:sp>
+      <p:sp>
+        <p:nvSpPr>
+          <p:cNvPr id="17" name="Rectangle 4"/>
+          <p:cNvSpPr>
+            <a:spLocks noChangeArrowheads="1"/>
+          </p:cNvSpPr>
+          <p:nvPr/>
+        </p:nvSpPr>
+        <p:spPr bwMode="auto">
+          <a:xfrm>
+            <a:off x="1260927" y="4175323"/>
+            <a:ext cx="5747854" cy="1596630"/>
+          </a:xfrm>
+          <a:prstGeom prst="rect">
+            <a:avLst/>
+          </a:prstGeom>
+          <a:solidFill>
+            <a:srgbClr val="FFFFFF"/>
+          </a:solidFill>
+          <a:ln w="9525">
+            <a:solidFill>
+              <a:srgbClr val="000000"/>
+            </a:solidFill>
+            <a:miter lim="800000"/>
+            <a:headEnd/>
+            <a:tailEnd/>
+          </a:ln>
+        </p:spPr>
+        <p:txBody>
+          <a:bodyPr vert="horz" wrap="square" lIns="91440" tIns="45720" rIns="91440" bIns="45720" numCol="1" anchor="t" anchorCtr="0" compatLnSpc="1">
+            <a:prstTxWarp prst="textNoShape">
+              <a:avLst/>
+            </a:prstTxWarp>
+          </a:bodyPr>
+          <a:lstStyle>
+            <a:lvl1pPr eaLnBrk="0" fontAlgn="base" hangingPunct="0">
+              <a:spcBef>
+                <a:spcPct val="0"/>
+              </a:spcBef>
+              <a:spcAft>
+                <a:spcPct val="0"/>
+              </a:spcAft>
+              <a:defRPr>
+                <a:solidFill>
+                  <a:schemeClr val="tx1"/>
+                </a:solidFill>
+                <a:latin typeface="Arial" panose="020B0604020202020204" pitchFamily="34" charset="0"/>
+              </a:defRPr>
+            </a:lvl1pPr>
+            <a:lvl2pPr eaLnBrk="0" fontAlgn="base" hangingPunct="0">
+              <a:spcBef>
+                <a:spcPct val="0"/>
+              </a:spcBef>
+              <a:spcAft>
+                <a:spcPct val="0"/>
+              </a:spcAft>
+              <a:defRPr>
+                <a:solidFill>
+                  <a:schemeClr val="tx1"/>
+                </a:solidFill>
+                <a:latin typeface="Arial" panose="020B0604020202020204" pitchFamily="34" charset="0"/>
+              </a:defRPr>
+            </a:lvl2pPr>
+            <a:lvl3pPr eaLnBrk="0" fontAlgn="base" hangingPunct="0">
+              <a:spcBef>
+                <a:spcPct val="0"/>
+              </a:spcBef>
+              <a:spcAft>
+                <a:spcPct val="0"/>
+              </a:spcAft>
+              <a:defRPr>
+                <a:solidFill>
+                  <a:schemeClr val="tx1"/>
+                </a:solidFill>
+                <a:latin typeface="Arial" panose="020B0604020202020204" pitchFamily="34" charset="0"/>
+              </a:defRPr>
+            </a:lvl3pPr>
+            <a:lvl4pPr eaLnBrk="0" fontAlgn="base" hangingPunct="0">
+              <a:spcBef>
+                <a:spcPct val="0"/>
+              </a:spcBef>
+              <a:spcAft>
+                <a:spcPct val="0"/>
+              </a:spcAft>
+              <a:defRPr>
+                <a:solidFill>
+                  <a:schemeClr val="tx1"/>
+                </a:solidFill>
+                <a:latin typeface="Arial" panose="020B0604020202020204" pitchFamily="34" charset="0"/>
+              </a:defRPr>
+            </a:lvl4pPr>
+            <a:lvl5pPr eaLnBrk="0" fontAlgn="base" hangingPunct="0">
+              <a:spcBef>
+                <a:spcPct val="0"/>
+              </a:spcBef>
+              <a:spcAft>
+                <a:spcPct val="0"/>
+              </a:spcAft>
+              <a:defRPr>
+                <a:solidFill>
+                  <a:schemeClr val="tx1"/>
+                </a:solidFill>
+                <a:latin typeface="Arial" panose="020B0604020202020204" pitchFamily="34" charset="0"/>
+              </a:defRPr>
+            </a:lvl5pPr>
+            <a:lvl6pPr eaLnBrk="0" fontAlgn="base" hangingPunct="0">
+              <a:spcBef>
+                <a:spcPct val="0"/>
+              </a:spcBef>
+              <a:spcAft>
+                <a:spcPct val="0"/>
+              </a:spcAft>
+              <a:defRPr>
+                <a:solidFill>
+                  <a:schemeClr val="tx1"/>
+                </a:solidFill>
+                <a:latin typeface="Arial" panose="020B0604020202020204" pitchFamily="34" charset="0"/>
+              </a:defRPr>
+            </a:lvl6pPr>
+            <a:lvl7pPr eaLnBrk="0" fontAlgn="base" hangingPunct="0">
+              <a:spcBef>
+                <a:spcPct val="0"/>
+              </a:spcBef>
+              <a:spcAft>
+                <a:spcPct val="0"/>
+              </a:spcAft>
+              <a:defRPr>
+                <a:solidFill>
+                  <a:schemeClr val="tx1"/>
+                </a:solidFill>
+                <a:latin typeface="Arial" panose="020B0604020202020204" pitchFamily="34" charset="0"/>
+              </a:defRPr>
+            </a:lvl7pPr>
+            <a:lvl8pPr eaLnBrk="0" fontAlgn="base" hangingPunct="0">
+              <a:spcBef>
+                <a:spcPct val="0"/>
+              </a:spcBef>
+              <a:spcAft>
+                <a:spcPct val="0"/>
+              </a:spcAft>
+              <a:defRPr>
+                <a:solidFill>
+                  <a:schemeClr val="tx1"/>
+                </a:solidFill>
+                <a:latin typeface="Arial" panose="020B0604020202020204" pitchFamily="34" charset="0"/>
+              </a:defRPr>
+            </a:lvl8pPr>
+            <a:lvl9pPr eaLnBrk="0" fontAlgn="base" hangingPunct="0">
+              <a:spcBef>
+                <a:spcPct val="0"/>
+              </a:spcBef>
+              <a:spcAft>
+                <a:spcPct val="0"/>
+              </a:spcAft>
+              <a:defRPr>
+                <a:solidFill>
+                  <a:schemeClr val="tx1"/>
+                </a:solidFill>
+                <a:latin typeface="Arial" panose="020B0604020202020204" pitchFamily="34" charset="0"/>
+              </a:defRPr>
+            </a:lvl9pPr>
+          </a:lstStyle>
+          <a:p>
+            <a:pPr marL="0" marR="0" lvl="0" indent="0" algn="l" defTabSz="914400" rtl="0" eaLnBrk="0" fontAlgn="base" latinLnBrk="0" hangingPunct="0">
+              <a:lnSpc>
+                <a:spcPct val="100000"/>
+              </a:lnSpc>
+              <a:spcBef>
+                <a:spcPct val="0"/>
+              </a:spcBef>
+              <a:spcAft>
+                <a:spcPct val="0"/>
+              </a:spcAft>
+              <a:buClrTx/>
+              <a:buSzTx/>
+              <a:buFontTx/>
+              <a:buNone/>
+              <a:tabLst/>
+            </a:pPr>
+            <a:endParaRPr kumimoji="0" lang="it-CH" altLang="it-CH" sz="1400" b="0" i="0" u="none" strike="noStrike" cap="none" normalizeH="0" baseline="0" smtClean="0">
+              <a:ln>
+                <a:noFill/>
+              </a:ln>
+              <a:solidFill>
+                <a:schemeClr val="tx1"/>
+              </a:solidFill>
+              <a:effectLst/>
+              <a:latin typeface="Arial" panose="020B0604020202020204" pitchFamily="34" charset="0"/>
+              <a:ea typeface="Times New Roman" panose="02020603050405020304" pitchFamily="18" charset="0"/>
+              <a:cs typeface="Arial" panose="020B0604020202020204" pitchFamily="34" charset="0"/>
+            </a:endParaRPr>
+          </a:p>
+          <a:p>
+            <a:pPr marL="0" marR="0" lvl="0" indent="0" algn="l" defTabSz="914400" rtl="0" eaLnBrk="0" fontAlgn="base" latinLnBrk="0" hangingPunct="0">
+              <a:lnSpc>
+                <a:spcPct val="100000"/>
+              </a:lnSpc>
+              <a:spcBef>
+                <a:spcPct val="0"/>
+              </a:spcBef>
+              <a:spcAft>
+                <a:spcPct val="0"/>
+              </a:spcAft>
+              <a:buClrTx/>
+              <a:buSzTx/>
+              <a:buFontTx/>
+              <a:buNone/>
+              <a:tabLst/>
+            </a:pPr>
+            <a:r>
+              <a:rPr kumimoji="0" lang="it-CH" altLang="it-CH" sz="1400" b="0" i="0" u="none" strike="noStrike" cap="none" normalizeH="0" baseline="0" smtClean="0">
+                <a:ln>
+                  <a:noFill/>
+                </a:ln>
+                <a:solidFill>
+                  <a:schemeClr val="tx1"/>
+                </a:solidFill>
+                <a:effectLst/>
+                <a:latin typeface="Arial" panose="020B0604020202020204" pitchFamily="34" charset="0"/>
+                <a:ea typeface="Times New Roman" panose="02020603050405020304" pitchFamily="18" charset="0"/>
+                <a:cs typeface="Arial" panose="020B0604020202020204" pitchFamily="34" charset="0"/>
+              </a:rPr>
+              <a:t>ORARIO BUS</a:t>
+            </a:r>
+            <a:endParaRPr kumimoji="0" lang="it-CH" altLang="it-CH" sz="1100" b="0" i="0" u="none" strike="noStrike" cap="none" normalizeH="0" baseline="0" smtClean="0">
+              <a:ln>
+                <a:noFill/>
+              </a:ln>
+              <a:solidFill>
+                <a:schemeClr val="tx1"/>
+              </a:solidFill>
+              <a:effectLst/>
+            </a:endParaRPr>
+          </a:p>
+          <a:p>
+            <a:pPr marL="0" marR="0" lvl="0" indent="0" algn="l" defTabSz="914400" rtl="0" eaLnBrk="0" fontAlgn="base" latinLnBrk="0" hangingPunct="0">
+              <a:lnSpc>
+                <a:spcPct val="100000"/>
+              </a:lnSpc>
+              <a:spcBef>
+                <a:spcPct val="0"/>
+              </a:spcBef>
+              <a:spcAft>
+                <a:spcPct val="0"/>
+              </a:spcAft>
+              <a:buClrTx/>
+              <a:buSzTx/>
+              <a:buFontTx/>
+              <a:buChar char="•"/>
+              <a:tabLst/>
+            </a:pPr>
+            <a:r>
+              <a:rPr kumimoji="0" lang="it-CH" altLang="it-CH" sz="1400" b="0" i="0" u="none" strike="noStrike" cap="none" normalizeH="0" baseline="0" smtClean="0">
+                <a:ln>
+                  <a:noFill/>
+                </a:ln>
+                <a:solidFill>
+                  <a:schemeClr val="tx1"/>
+                </a:solidFill>
+                <a:effectLst/>
+                <a:latin typeface="Arial" panose="020B0604020202020204" pitchFamily="34" charset="0"/>
+                <a:ea typeface="Times New Roman" panose="02020603050405020304" pitchFamily="18" charset="0"/>
+                <a:cs typeface="Arial" panose="020B0604020202020204" pitchFamily="34" charset="0"/>
+              </a:rPr>
+              <a:t>Collegato al sito TPL</a:t>
+            </a:r>
+            <a:endParaRPr kumimoji="0" lang="it-CH" altLang="it-CH" sz="3200" b="0" i="0" u="none" strike="noStrike" cap="none" normalizeH="0" baseline="0" smtClean="0">
+              <a:ln>
+                <a:noFill/>
+              </a:ln>
+              <a:solidFill>
+                <a:schemeClr val="tx1"/>
+              </a:solidFill>
+              <a:effectLst/>
+              <a:latin typeface="Arial" panose="020B0604020202020204" pitchFamily="34" charset="0"/>
+            </a:endParaRPr>
+          </a:p>
+        </p:txBody>
+      </p:sp>
+      <p:sp>
+        <p:nvSpPr>
+          <p:cNvPr id="18" name="Rectangle 3"/>
+          <p:cNvSpPr>
+            <a:spLocks noChangeArrowheads="1"/>
+          </p:cNvSpPr>
+          <p:nvPr/>
+        </p:nvSpPr>
+        <p:spPr bwMode="auto">
+          <a:xfrm>
+            <a:off x="1260927" y="2605285"/>
+            <a:ext cx="5747854" cy="1596630"/>
+          </a:xfrm>
+          <a:prstGeom prst="rect">
+            <a:avLst/>
+          </a:prstGeom>
+          <a:solidFill>
+            <a:srgbClr val="FFFFFF"/>
+          </a:solidFill>
+          <a:ln w="9525">
+            <a:solidFill>
+              <a:srgbClr val="000000"/>
+            </a:solidFill>
+            <a:miter lim="800000"/>
+            <a:headEnd/>
+            <a:tailEnd/>
+          </a:ln>
+        </p:spPr>
+        <p:txBody>
+          <a:bodyPr vert="horz" wrap="square" lIns="91440" tIns="45720" rIns="91440" bIns="45720" numCol="1" anchor="t" anchorCtr="0" compatLnSpc="1">
+            <a:prstTxWarp prst="textNoShape">
+              <a:avLst/>
+            </a:prstTxWarp>
+          </a:bodyPr>
+          <a:lstStyle>
+            <a:lvl1pPr eaLnBrk="0" fontAlgn="base" hangingPunct="0">
+              <a:spcBef>
+                <a:spcPct val="0"/>
+              </a:spcBef>
+              <a:spcAft>
+                <a:spcPct val="0"/>
+              </a:spcAft>
+              <a:defRPr>
+                <a:solidFill>
+                  <a:schemeClr val="tx1"/>
+                </a:solidFill>
+                <a:latin typeface="Arial" panose="020B0604020202020204" pitchFamily="34" charset="0"/>
+              </a:defRPr>
+            </a:lvl1pPr>
+            <a:lvl2pPr eaLnBrk="0" fontAlgn="base" hangingPunct="0">
+              <a:spcBef>
+                <a:spcPct val="0"/>
+              </a:spcBef>
+              <a:spcAft>
+                <a:spcPct val="0"/>
+              </a:spcAft>
+              <a:defRPr>
+                <a:solidFill>
+                  <a:schemeClr val="tx1"/>
+                </a:solidFill>
+                <a:latin typeface="Arial" panose="020B0604020202020204" pitchFamily="34" charset="0"/>
+              </a:defRPr>
+            </a:lvl2pPr>
+            <a:lvl3pPr eaLnBrk="0" fontAlgn="base" hangingPunct="0">
+              <a:spcBef>
+                <a:spcPct val="0"/>
+              </a:spcBef>
+              <a:spcAft>
+                <a:spcPct val="0"/>
+              </a:spcAft>
+              <a:defRPr>
+                <a:solidFill>
+                  <a:schemeClr val="tx1"/>
+                </a:solidFill>
+                <a:latin typeface="Arial" panose="020B0604020202020204" pitchFamily="34" charset="0"/>
+              </a:defRPr>
+            </a:lvl3pPr>
+            <a:lvl4pPr eaLnBrk="0" fontAlgn="base" hangingPunct="0">
+              <a:spcBef>
+                <a:spcPct val="0"/>
+              </a:spcBef>
+              <a:spcAft>
+                <a:spcPct val="0"/>
+              </a:spcAft>
+              <a:defRPr>
+                <a:solidFill>
+                  <a:schemeClr val="tx1"/>
+                </a:solidFill>
+                <a:latin typeface="Arial" panose="020B0604020202020204" pitchFamily="34" charset="0"/>
+              </a:defRPr>
+            </a:lvl4pPr>
+            <a:lvl5pPr eaLnBrk="0" fontAlgn="base" hangingPunct="0">
+              <a:spcBef>
+                <a:spcPct val="0"/>
+              </a:spcBef>
+              <a:spcAft>
+                <a:spcPct val="0"/>
+              </a:spcAft>
+              <a:defRPr>
+                <a:solidFill>
+                  <a:schemeClr val="tx1"/>
+                </a:solidFill>
+                <a:latin typeface="Arial" panose="020B0604020202020204" pitchFamily="34" charset="0"/>
+              </a:defRPr>
+            </a:lvl5pPr>
+            <a:lvl6pPr eaLnBrk="0" fontAlgn="base" hangingPunct="0">
+              <a:spcBef>
+                <a:spcPct val="0"/>
+              </a:spcBef>
+              <a:spcAft>
+                <a:spcPct val="0"/>
+              </a:spcAft>
+              <a:defRPr>
+                <a:solidFill>
+                  <a:schemeClr val="tx1"/>
+                </a:solidFill>
+                <a:latin typeface="Arial" panose="020B0604020202020204" pitchFamily="34" charset="0"/>
+              </a:defRPr>
+            </a:lvl6pPr>
+            <a:lvl7pPr eaLnBrk="0" fontAlgn="base" hangingPunct="0">
+              <a:spcBef>
+                <a:spcPct val="0"/>
+              </a:spcBef>
+              <a:spcAft>
+                <a:spcPct val="0"/>
+              </a:spcAft>
+              <a:defRPr>
+                <a:solidFill>
+                  <a:schemeClr val="tx1"/>
+                </a:solidFill>
+                <a:latin typeface="Arial" panose="020B0604020202020204" pitchFamily="34" charset="0"/>
+              </a:defRPr>
+            </a:lvl7pPr>
+            <a:lvl8pPr eaLnBrk="0" fontAlgn="base" hangingPunct="0">
+              <a:spcBef>
+                <a:spcPct val="0"/>
+              </a:spcBef>
+              <a:spcAft>
+                <a:spcPct val="0"/>
+              </a:spcAft>
+              <a:defRPr>
+                <a:solidFill>
+                  <a:schemeClr val="tx1"/>
+                </a:solidFill>
+                <a:latin typeface="Arial" panose="020B0604020202020204" pitchFamily="34" charset="0"/>
+              </a:defRPr>
+            </a:lvl8pPr>
+            <a:lvl9pPr eaLnBrk="0" fontAlgn="base" hangingPunct="0">
+              <a:spcBef>
+                <a:spcPct val="0"/>
+              </a:spcBef>
+              <a:spcAft>
+                <a:spcPct val="0"/>
+              </a:spcAft>
+              <a:defRPr>
+                <a:solidFill>
+                  <a:schemeClr val="tx1"/>
+                </a:solidFill>
+                <a:latin typeface="Arial" panose="020B0604020202020204" pitchFamily="34" charset="0"/>
+              </a:defRPr>
+            </a:lvl9pPr>
+          </a:lstStyle>
+          <a:p>
+            <a:pPr marL="0" marR="0" lvl="0" indent="0" algn="l" defTabSz="914400" rtl="0" eaLnBrk="0" fontAlgn="base" latinLnBrk="0" hangingPunct="0">
+              <a:lnSpc>
+                <a:spcPct val="100000"/>
+              </a:lnSpc>
+              <a:spcBef>
+                <a:spcPct val="0"/>
+              </a:spcBef>
+              <a:spcAft>
+                <a:spcPct val="0"/>
+              </a:spcAft>
+              <a:buClrTx/>
+              <a:buSzTx/>
+              <a:buFontTx/>
+              <a:buNone/>
+              <a:tabLst/>
+            </a:pPr>
+            <a:endParaRPr kumimoji="0" lang="it-CH" altLang="it-CH" sz="1400" b="0" i="0" u="none" strike="noStrike" cap="none" normalizeH="0" baseline="0" dirty="0" smtClean="0">
+              <a:ln>
+                <a:noFill/>
+              </a:ln>
+              <a:solidFill>
+                <a:schemeClr val="tx1"/>
+              </a:solidFill>
+              <a:effectLst/>
+              <a:latin typeface="Arial" panose="020B0604020202020204" pitchFamily="34" charset="0"/>
+              <a:ea typeface="Times New Roman" panose="02020603050405020304" pitchFamily="18" charset="0"/>
+              <a:cs typeface="Arial" panose="020B0604020202020204" pitchFamily="34" charset="0"/>
+            </a:endParaRPr>
+          </a:p>
+          <a:p>
+            <a:pPr marL="0" marR="0" lvl="0" indent="0" algn="l" defTabSz="914400" rtl="0" eaLnBrk="0" fontAlgn="base" latinLnBrk="0" hangingPunct="0">
+              <a:lnSpc>
+                <a:spcPct val="100000"/>
+              </a:lnSpc>
+              <a:spcBef>
+                <a:spcPct val="0"/>
+              </a:spcBef>
+              <a:spcAft>
+                <a:spcPct val="0"/>
+              </a:spcAft>
+              <a:buClrTx/>
+              <a:buSzTx/>
+              <a:buFontTx/>
+              <a:buNone/>
+              <a:tabLst/>
+            </a:pPr>
+            <a:r>
+              <a:rPr kumimoji="0" lang="it-CH" altLang="it-CH" sz="1400" b="0" i="0" u="none" strike="noStrike" cap="none" normalizeH="0" baseline="0" dirty="0" smtClean="0">
+                <a:ln>
+                  <a:noFill/>
+                </a:ln>
+                <a:solidFill>
+                  <a:schemeClr val="tx1"/>
+                </a:solidFill>
+                <a:effectLst/>
+                <a:latin typeface="Arial" panose="020B0604020202020204" pitchFamily="34" charset="0"/>
+                <a:ea typeface="Times New Roman" panose="02020603050405020304" pitchFamily="18" charset="0"/>
+                <a:cs typeface="Arial" panose="020B0604020202020204" pitchFamily="34" charset="0"/>
+              </a:rPr>
+              <a:t>ORARIO AULA</a:t>
+            </a:r>
+            <a:endParaRPr kumimoji="0" lang="it-CH" altLang="it-CH" sz="1100" b="0" i="0" u="none" strike="noStrike" cap="none" normalizeH="0" baseline="0" dirty="0" smtClean="0">
+              <a:ln>
+                <a:noFill/>
+              </a:ln>
+              <a:solidFill>
+                <a:schemeClr val="tx1"/>
+              </a:solidFill>
+              <a:effectLst/>
+            </a:endParaRPr>
+          </a:p>
+          <a:p>
+            <a:pPr marL="0" marR="0" lvl="0" indent="0" algn="l" defTabSz="914400" rtl="0" eaLnBrk="0" fontAlgn="base" latinLnBrk="0" hangingPunct="0">
+              <a:lnSpc>
+                <a:spcPct val="100000"/>
+              </a:lnSpc>
+              <a:spcBef>
+                <a:spcPct val="0"/>
+              </a:spcBef>
+              <a:spcAft>
+                <a:spcPct val="0"/>
+              </a:spcAft>
+              <a:buClrTx/>
+              <a:buSzTx/>
+              <a:buFontTx/>
+              <a:buChar char="•"/>
+              <a:tabLst/>
+            </a:pPr>
+            <a:r>
+              <a:rPr kumimoji="0" lang="it-CH" altLang="it-CH" sz="1400" b="0" i="0" u="none" strike="noStrike" cap="none" normalizeH="0" baseline="0" dirty="0" smtClean="0">
+                <a:ln>
+                  <a:noFill/>
+                </a:ln>
+                <a:solidFill>
+                  <a:schemeClr val="tx1"/>
+                </a:solidFill>
+                <a:effectLst/>
+                <a:latin typeface="Arial" panose="020B0604020202020204" pitchFamily="34" charset="0"/>
+                <a:ea typeface="Times New Roman" panose="02020603050405020304" pitchFamily="18" charset="0"/>
+                <a:cs typeface="Arial" panose="020B0604020202020204" pitchFamily="34" charset="0"/>
+              </a:rPr>
+              <a:t>collegato al sito degli orari </a:t>
+            </a:r>
+            <a:r>
+              <a:rPr kumimoji="0" lang="it-CH" altLang="it-CH" sz="1400" b="0" i="0" u="none" strike="noStrike" cap="none" normalizeH="0" baseline="0" dirty="0" err="1" smtClean="0">
+                <a:ln>
+                  <a:noFill/>
+                </a:ln>
+                <a:solidFill>
+                  <a:schemeClr val="tx1"/>
+                </a:solidFill>
+                <a:effectLst/>
+                <a:latin typeface="Arial" panose="020B0604020202020204" pitchFamily="34" charset="0"/>
+                <a:ea typeface="Times New Roman" panose="02020603050405020304" pitchFamily="18" charset="0"/>
+                <a:cs typeface="Arial" panose="020B0604020202020204" pitchFamily="34" charset="0"/>
+              </a:rPr>
+              <a:t>cpt</a:t>
+            </a:r>
+            <a:endParaRPr kumimoji="0" lang="it-CH" altLang="it-CH" sz="3200" b="0" i="0" u="none" strike="noStrike" cap="none" normalizeH="0" baseline="0" dirty="0" smtClean="0">
+              <a:ln>
+                <a:noFill/>
+              </a:ln>
+              <a:solidFill>
+                <a:schemeClr val="tx1"/>
+              </a:solidFill>
+              <a:effectLst/>
+              <a:latin typeface="Arial" panose="020B0604020202020204" pitchFamily="34" charset="0"/>
+            </a:endParaRPr>
+          </a:p>
+        </p:txBody>
+      </p:sp>
+    </p:spTree>
+    <p:extLst>
+      <p:ext uri="{BB962C8B-B14F-4D97-AF65-F5344CB8AC3E}">
+        <p14:creationId xmlns:p14="http://schemas.microsoft.com/office/powerpoint/2010/main" val="4112265292"/>
+      </p:ext>
+    </p:extLst>
+  </p:cSld>
+  <p:clrMapOvr>
+    <a:masterClrMapping/>
+  </p:clrMapOvr>
+  <mc:AlternateContent xmlns:mc="http://schemas.openxmlformats.org/markup-compatibility/2006" xmlns:p14="http://schemas.microsoft.com/office/powerpoint/2010/main">
+    <mc:Choice Requires="p14">
+      <p:transition p14:dur="0"/>
+    </mc:Choice>
+    <mc:Fallback xmlns="">
+      <p:transition/>
+    </mc:Fallback>
+  </mc:AlternateContent>
+  <p:timing>
+    <p:tnLst>
+      <p:par>
+        <p:cTn id="1" dur="indefinite" restart="never" nodeType="tmRoot"/>
+      </p:par>
+    </p:tnLst>
+  </p:timing>
+</p:sld>
+</file>
+
+<file path=ppt/slides/slide9.xml><?xml version="1.0" encoding="utf-8"?>
+<p:sld xmlns:a="http://schemas.openxmlformats.org/drawingml/2006/main" xmlns:r="http://schemas.openxmlformats.org/officeDocument/2006/relationships" xmlns:p="http://schemas.openxmlformats.org/presentationml/2006/main">
+  <p:cSld>
+    <p:spTree>
+      <p:nvGrpSpPr>
+        <p:cNvPr id="1" name=""/>
+        <p:cNvGrpSpPr/>
+        <p:nvPr/>
+      </p:nvGrpSpPr>
+      <p:grpSpPr>
+        <a:xfrm>
+          <a:off x="0" y="0"/>
+          <a:ext cx="0" cy="0"/>
+          <a:chOff x="0" y="0"/>
+          <a:chExt cx="0" cy="0"/>
+        </a:xfrm>
+      </p:grpSpPr>
+      <p:sp>
+        <p:nvSpPr>
+          <p:cNvPr id="2" name="Titolo 1"/>
+          <p:cNvSpPr>
+            <a:spLocks noGrp="1"/>
+          </p:cNvSpPr>
+          <p:nvPr>
+            <p:ph type="title"/>
+          </p:nvPr>
+        </p:nvSpPr>
+        <p:spPr/>
+        <p:txBody>
+          <a:bodyPr anchor="ctr">
+            <a:noAutofit/>
+          </a:bodyPr>
+          <a:lstStyle/>
+          <a:p>
+            <a:r>
+              <a:rPr lang="it-CH" dirty="0" smtClean="0"/>
+              <a:t>Implementazione - Sito</a:t>
+            </a:r>
+            <a:endParaRPr lang="it-CH" sz="5400" dirty="0"/>
+          </a:p>
+        </p:txBody>
+      </p:sp>
+      <p:pic>
+        <p:nvPicPr>
+          <p:cNvPr id="3074" name="Immagine 1"/>
+          <p:cNvPicPr>
+            <a:picLocks noChangeAspect="1" noChangeArrowheads="1"/>
+          </p:cNvPicPr>
+          <p:nvPr/>
+        </p:nvPicPr>
+        <p:blipFill>
+          <a:blip r:embed="rId3">
+            <a:extLst>
+              <a:ext uri="{28A0092B-C50C-407E-A947-70E740481C1C}">
+                <a14:useLocalDpi xmlns:a14="http://schemas.microsoft.com/office/drawing/2010/main" val="0"/>
+              </a:ext>
+            </a:extLst>
+          </a:blip>
+          <a:srcRect t="1012" r="752" b="3239"/>
+          <a:stretch>
+            <a:fillRect/>
+          </a:stretch>
+        </p:blipFill>
+        <p:spPr bwMode="auto">
+          <a:xfrm>
+            <a:off x="677334" y="1930400"/>
+            <a:ext cx="7078737" cy="4235518"/>
+          </a:xfrm>
+          <a:prstGeom prst="rect">
+            <a:avLst/>
+          </a:prstGeom>
+          <a:noFill/>
+          <a:ln w="38100">
+            <a:solidFill>
+              <a:schemeClr val="accent1"/>
+            </a:solidFill>
+            <a:miter lim="800000"/>
+            <a:headEnd/>
+            <a:tailEnd/>
+          </a:ln>
+          <a:extLst>
+            <a:ext uri="{909E8E84-426E-40DD-AFC4-6F175D3DCCD1}">
+              <a14:hiddenFill xmlns:a14="http://schemas.microsoft.com/office/drawing/2010/main">
+                <a:solidFill>
+                  <a:srgbClr val="FFFFFF"/>
+                </a:solidFill>
+              </a14:hiddenFill>
+            </a:ext>
+          </a:extLst>
+        </p:spPr>
+      </p:pic>
+    </p:spTree>
+    <p:extLst>
+      <p:ext uri="{BB962C8B-B14F-4D97-AF65-F5344CB8AC3E}">
+        <p14:creationId xmlns:p14="http://schemas.microsoft.com/office/powerpoint/2010/main" val="3666460434"/>
+      </p:ext>
+    </p:extLst>
+  </p:cSld>
+  <p:clrMapOvr>
+    <a:masterClrMapping/>
+  </p:clrMapOvr>
+  <mc:AlternateContent xmlns:mc="http://schemas.openxmlformats.org/markup-compatibility/2006" xmlns:p14="http://schemas.microsoft.com/office/powerpoint/2010/main">
+    <mc:Choice Requires="p14">
+      <p:transition p14:dur="0"/>
+    </mc:Choice>
+    <mc:Fallback xmlns="">
+      <p:transition/>
+    </mc:Fallback>
+  </mc:AlternateContent>
   <p:timing>
     <p:tnLst>
       <p:par>

--- a/Documenti/presentazione_info_kiosk.pptx
+++ b/Documenti/presentazione_info_kiosk.pptx
@@ -5,7 +5,7 @@
     <p:sldMasterId id="2147483712" r:id="rId1"/>
   </p:sldMasterIdLst>
   <p:notesMasterIdLst>
-    <p:notesMasterId r:id="rId14"/>
+    <p:notesMasterId r:id="rId24"/>
   </p:notesMasterIdLst>
   <p:sldIdLst>
     <p:sldId id="256" r:id="rId2"/>
@@ -16,10 +16,20 @@
     <p:sldId id="291" r:id="rId7"/>
     <p:sldId id="293" r:id="rId8"/>
     <p:sldId id="295" r:id="rId9"/>
-    <p:sldId id="292" r:id="rId10"/>
-    <p:sldId id="296" r:id="rId11"/>
-    <p:sldId id="297" r:id="rId12"/>
-    <p:sldId id="261" r:id="rId13"/>
+    <p:sldId id="298" r:id="rId10"/>
+    <p:sldId id="308" r:id="rId11"/>
+    <p:sldId id="309" r:id="rId12"/>
+    <p:sldId id="296" r:id="rId13"/>
+    <p:sldId id="297" r:id="rId14"/>
+    <p:sldId id="299" r:id="rId15"/>
+    <p:sldId id="301" r:id="rId16"/>
+    <p:sldId id="306" r:id="rId17"/>
+    <p:sldId id="303" r:id="rId18"/>
+    <p:sldId id="307" r:id="rId19"/>
+    <p:sldId id="305" r:id="rId20"/>
+    <p:sldId id="304" r:id="rId21"/>
+    <p:sldId id="302" r:id="rId22"/>
+    <p:sldId id="261" r:id="rId23"/>
   </p:sldIdLst>
   <p:sldSz cx="12192000" cy="6858000"/>
   <p:notesSz cx="6858000" cy="9144000"/>
@@ -121,7 +131,7 @@
   <p:extLst>
     <p:ext uri="{EFAFB233-063F-42B5-8137-9DF3F51BA10A}">
       <p15:sldGuideLst xmlns:p15="http://schemas.microsoft.com/office/powerpoint/2012/main">
-        <p15:guide id="1" orient="horz" pos="2160" userDrawn="1">
+        <p15:guide id="1" orient="horz" pos="2137" userDrawn="1">
           <p15:clr>
             <a:srgbClr val="A4A3A4"/>
           </p15:clr>
@@ -223,7 +233,7 @@
           <a:p>
             <a:fld id="{79F915F1-A884-4072-AF81-CF7FA1F68F6D}" type="datetimeFigureOut">
               <a:rPr lang="it-CH" smtClean="0"/>
-              <a:t>27.04.2018</a:t>
+              <a:t>18.05.2018</a:t>
             </a:fld>
             <a:endParaRPr lang="it-CH"/>
           </a:p>
@@ -575,6 +585,258 @@
 </p:notes>
 </file>
 
+<file path=ppt/notesSlides/notesSlide10.xml><?xml version="1.0" encoding="utf-8"?>
+<p:notes xmlns:a="http://schemas.openxmlformats.org/drawingml/2006/main" xmlns:r="http://schemas.openxmlformats.org/officeDocument/2006/relationships" xmlns:p="http://schemas.openxmlformats.org/presentationml/2006/main">
+  <p:cSld>
+    <p:spTree>
+      <p:nvGrpSpPr>
+        <p:cNvPr id="1" name=""/>
+        <p:cNvGrpSpPr/>
+        <p:nvPr/>
+      </p:nvGrpSpPr>
+      <p:grpSpPr>
+        <a:xfrm>
+          <a:off x="0" y="0"/>
+          <a:ext cx="0" cy="0"/>
+          <a:chOff x="0" y="0"/>
+          <a:chExt cx="0" cy="0"/>
+        </a:xfrm>
+      </p:grpSpPr>
+      <p:sp>
+        <p:nvSpPr>
+          <p:cNvPr id="2" name="Segnaposto immagine diapositiva 1"/>
+          <p:cNvSpPr>
+            <a:spLocks noGrp="1" noRot="1" noChangeAspect="1"/>
+          </p:cNvSpPr>
+          <p:nvPr>
+            <p:ph type="sldImg"/>
+          </p:nvPr>
+        </p:nvSpPr>
+        <p:spPr/>
+      </p:sp>
+      <p:sp>
+        <p:nvSpPr>
+          <p:cNvPr id="3" name="Segnaposto note 2"/>
+          <p:cNvSpPr>
+            <a:spLocks noGrp="1"/>
+          </p:cNvSpPr>
+          <p:nvPr>
+            <p:ph type="body" idx="1"/>
+          </p:nvPr>
+        </p:nvSpPr>
+        <p:spPr/>
+        <p:txBody>
+          <a:bodyPr/>
+          <a:lstStyle/>
+          <a:p>
+            <a:endParaRPr lang="it-CH" dirty="0"/>
+          </a:p>
+        </p:txBody>
+      </p:sp>
+      <p:sp>
+        <p:nvSpPr>
+          <p:cNvPr id="4" name="Segnaposto numero diapositiva 3"/>
+          <p:cNvSpPr>
+            <a:spLocks noGrp="1"/>
+          </p:cNvSpPr>
+          <p:nvPr>
+            <p:ph type="sldNum" sz="quarter" idx="10"/>
+          </p:nvPr>
+        </p:nvSpPr>
+        <p:spPr/>
+        <p:txBody>
+          <a:bodyPr/>
+          <a:lstStyle/>
+          <a:p>
+            <a:fld id="{62E71006-93ED-417B-8D1C-79E5B3A3D052}" type="slidenum">
+              <a:rPr lang="it-CH" smtClean="0"/>
+              <a:t>15</a:t>
+            </a:fld>
+            <a:endParaRPr lang="it-CH"/>
+          </a:p>
+        </p:txBody>
+      </p:sp>
+    </p:spTree>
+    <p:extLst>
+      <p:ext uri="{BB962C8B-B14F-4D97-AF65-F5344CB8AC3E}">
+        <p14:creationId xmlns:p14="http://schemas.microsoft.com/office/powerpoint/2010/main" val="2572517736"/>
+      </p:ext>
+    </p:extLst>
+  </p:cSld>
+  <p:clrMapOvr>
+    <a:masterClrMapping/>
+  </p:clrMapOvr>
+</p:notes>
+</file>
+
+<file path=ppt/notesSlides/notesSlide11.xml><?xml version="1.0" encoding="utf-8"?>
+<p:notes xmlns:a="http://schemas.openxmlformats.org/drawingml/2006/main" xmlns:r="http://schemas.openxmlformats.org/officeDocument/2006/relationships" xmlns:p="http://schemas.openxmlformats.org/presentationml/2006/main">
+  <p:cSld>
+    <p:spTree>
+      <p:nvGrpSpPr>
+        <p:cNvPr id="1" name=""/>
+        <p:cNvGrpSpPr/>
+        <p:nvPr/>
+      </p:nvGrpSpPr>
+      <p:grpSpPr>
+        <a:xfrm>
+          <a:off x="0" y="0"/>
+          <a:ext cx="0" cy="0"/>
+          <a:chOff x="0" y="0"/>
+          <a:chExt cx="0" cy="0"/>
+        </a:xfrm>
+      </p:grpSpPr>
+      <p:sp>
+        <p:nvSpPr>
+          <p:cNvPr id="2" name="Segnaposto immagine diapositiva 1"/>
+          <p:cNvSpPr>
+            <a:spLocks noGrp="1" noRot="1" noChangeAspect="1"/>
+          </p:cNvSpPr>
+          <p:nvPr>
+            <p:ph type="sldImg"/>
+          </p:nvPr>
+        </p:nvSpPr>
+        <p:spPr/>
+      </p:sp>
+      <p:sp>
+        <p:nvSpPr>
+          <p:cNvPr id="3" name="Segnaposto note 2"/>
+          <p:cNvSpPr>
+            <a:spLocks noGrp="1"/>
+          </p:cNvSpPr>
+          <p:nvPr>
+            <p:ph type="body" idx="1"/>
+          </p:nvPr>
+        </p:nvSpPr>
+        <p:spPr/>
+        <p:txBody>
+          <a:bodyPr/>
+          <a:lstStyle/>
+          <a:p>
+            <a:endParaRPr lang="it-CH" baseline="0" dirty="0"/>
+          </a:p>
+        </p:txBody>
+      </p:sp>
+      <p:sp>
+        <p:nvSpPr>
+          <p:cNvPr id="4" name="Segnaposto numero diapositiva 3"/>
+          <p:cNvSpPr>
+            <a:spLocks noGrp="1"/>
+          </p:cNvSpPr>
+          <p:nvPr>
+            <p:ph type="sldNum" sz="quarter" idx="10"/>
+          </p:nvPr>
+        </p:nvSpPr>
+        <p:spPr/>
+        <p:txBody>
+          <a:bodyPr/>
+          <a:lstStyle/>
+          <a:p>
+            <a:fld id="{62E71006-93ED-417B-8D1C-79E5B3A3D052}" type="slidenum">
+              <a:rPr lang="it-CH" smtClean="0"/>
+              <a:t>20</a:t>
+            </a:fld>
+            <a:endParaRPr lang="it-CH"/>
+          </a:p>
+        </p:txBody>
+      </p:sp>
+    </p:spTree>
+    <p:extLst>
+      <p:ext uri="{BB962C8B-B14F-4D97-AF65-F5344CB8AC3E}">
+        <p14:creationId xmlns:p14="http://schemas.microsoft.com/office/powerpoint/2010/main" val="317155687"/>
+      </p:ext>
+    </p:extLst>
+  </p:cSld>
+  <p:clrMapOvr>
+    <a:masterClrMapping/>
+  </p:clrMapOvr>
+</p:notes>
+</file>
+
+<file path=ppt/notesSlides/notesSlide12.xml><?xml version="1.0" encoding="utf-8"?>
+<p:notes xmlns:a="http://schemas.openxmlformats.org/drawingml/2006/main" xmlns:r="http://schemas.openxmlformats.org/officeDocument/2006/relationships" xmlns:p="http://schemas.openxmlformats.org/presentationml/2006/main">
+  <p:cSld>
+    <p:spTree>
+      <p:nvGrpSpPr>
+        <p:cNvPr id="1" name=""/>
+        <p:cNvGrpSpPr/>
+        <p:nvPr/>
+      </p:nvGrpSpPr>
+      <p:grpSpPr>
+        <a:xfrm>
+          <a:off x="0" y="0"/>
+          <a:ext cx="0" cy="0"/>
+          <a:chOff x="0" y="0"/>
+          <a:chExt cx="0" cy="0"/>
+        </a:xfrm>
+      </p:grpSpPr>
+      <p:sp>
+        <p:nvSpPr>
+          <p:cNvPr id="2" name="Segnaposto immagine diapositiva 1"/>
+          <p:cNvSpPr>
+            <a:spLocks noGrp="1" noRot="1" noChangeAspect="1"/>
+          </p:cNvSpPr>
+          <p:nvPr>
+            <p:ph type="sldImg"/>
+          </p:nvPr>
+        </p:nvSpPr>
+        <p:spPr/>
+      </p:sp>
+      <p:sp>
+        <p:nvSpPr>
+          <p:cNvPr id="3" name="Segnaposto note 2"/>
+          <p:cNvSpPr>
+            <a:spLocks noGrp="1"/>
+          </p:cNvSpPr>
+          <p:nvPr>
+            <p:ph type="body" idx="1"/>
+          </p:nvPr>
+        </p:nvSpPr>
+        <p:spPr/>
+        <p:txBody>
+          <a:bodyPr/>
+          <a:lstStyle/>
+          <a:p>
+            <a:endParaRPr lang="it-CH" dirty="0"/>
+          </a:p>
+        </p:txBody>
+      </p:sp>
+      <p:sp>
+        <p:nvSpPr>
+          <p:cNvPr id="4" name="Segnaposto numero diapositiva 3"/>
+          <p:cNvSpPr>
+            <a:spLocks noGrp="1"/>
+          </p:cNvSpPr>
+          <p:nvPr>
+            <p:ph type="sldNum" sz="quarter" idx="10"/>
+          </p:nvPr>
+        </p:nvSpPr>
+        <p:spPr/>
+        <p:txBody>
+          <a:bodyPr/>
+          <a:lstStyle/>
+          <a:p>
+            <a:fld id="{62E71006-93ED-417B-8D1C-79E5B3A3D052}" type="slidenum">
+              <a:rPr lang="it-CH" smtClean="0"/>
+              <a:t>21</a:t>
+            </a:fld>
+            <a:endParaRPr lang="it-CH"/>
+          </a:p>
+        </p:txBody>
+      </p:sp>
+    </p:spTree>
+    <p:extLst>
+      <p:ext uri="{BB962C8B-B14F-4D97-AF65-F5344CB8AC3E}">
+        <p14:creationId xmlns:p14="http://schemas.microsoft.com/office/powerpoint/2010/main" val="526024111"/>
+      </p:ext>
+    </p:extLst>
+  </p:cSld>
+  <p:clrMapOvr>
+    <a:masterClrMapping/>
+  </p:clrMapOvr>
+</p:notes>
+</file>
+
 <file path=ppt/notesSlides/notesSlide2.xml><?xml version="1.0" encoding="utf-8"?>
 <p:notes xmlns:a="http://schemas.openxmlformats.org/drawingml/2006/main" xmlns:r="http://schemas.openxmlformats.org/officeDocument/2006/relationships" xmlns:p="http://schemas.openxmlformats.org/presentationml/2006/main">
   <p:cSld>
@@ -985,7 +1247,7 @@
     </p:spTree>
     <p:extLst>
       <p:ext uri="{BB962C8B-B14F-4D97-AF65-F5344CB8AC3E}">
-        <p14:creationId xmlns:p14="http://schemas.microsoft.com/office/powerpoint/2010/main" val="4062386361"/>
+        <p14:creationId xmlns:p14="http://schemas.microsoft.com/office/powerpoint/2010/main" val="4082425028"/>
       </p:ext>
     </p:extLst>
   </p:cSld>
@@ -1060,7 +1322,7 @@
           <a:p>
             <a:fld id="{62E71006-93ED-417B-8D1C-79E5B3A3D052}" type="slidenum">
               <a:rPr lang="it-CH" smtClean="0"/>
-              <a:t>10</a:t>
+              <a:t>12</a:t>
             </a:fld>
             <a:endParaRPr lang="it-CH"/>
           </a:p>
@@ -1144,7 +1406,7 @@
           <a:p>
             <a:fld id="{62E71006-93ED-417B-8D1C-79E5B3A3D052}" type="slidenum">
               <a:rPr lang="it-CH" smtClean="0"/>
-              <a:t>11</a:t>
+              <a:t>13</a:t>
             </a:fld>
             <a:endParaRPr lang="it-CH"/>
           </a:p>
@@ -1154,6 +1416,90 @@
     <p:extLst>
       <p:ext uri="{BB962C8B-B14F-4D97-AF65-F5344CB8AC3E}">
         <p14:creationId xmlns:p14="http://schemas.microsoft.com/office/powerpoint/2010/main" val="2766874033"/>
+      </p:ext>
+    </p:extLst>
+  </p:cSld>
+  <p:clrMapOvr>
+    <a:masterClrMapping/>
+  </p:clrMapOvr>
+</p:notes>
+</file>
+
+<file path=ppt/notesSlides/notesSlide9.xml><?xml version="1.0" encoding="utf-8"?>
+<p:notes xmlns:a="http://schemas.openxmlformats.org/drawingml/2006/main" xmlns:r="http://schemas.openxmlformats.org/officeDocument/2006/relationships" xmlns:p="http://schemas.openxmlformats.org/presentationml/2006/main">
+  <p:cSld>
+    <p:spTree>
+      <p:nvGrpSpPr>
+        <p:cNvPr id="1" name=""/>
+        <p:cNvGrpSpPr/>
+        <p:nvPr/>
+      </p:nvGrpSpPr>
+      <p:grpSpPr>
+        <a:xfrm>
+          <a:off x="0" y="0"/>
+          <a:ext cx="0" cy="0"/>
+          <a:chOff x="0" y="0"/>
+          <a:chExt cx="0" cy="0"/>
+        </a:xfrm>
+      </p:grpSpPr>
+      <p:sp>
+        <p:nvSpPr>
+          <p:cNvPr id="2" name="Segnaposto immagine diapositiva 1"/>
+          <p:cNvSpPr>
+            <a:spLocks noGrp="1" noRot="1" noChangeAspect="1"/>
+          </p:cNvSpPr>
+          <p:nvPr>
+            <p:ph type="sldImg"/>
+          </p:nvPr>
+        </p:nvSpPr>
+        <p:spPr/>
+      </p:sp>
+      <p:sp>
+        <p:nvSpPr>
+          <p:cNvPr id="3" name="Segnaposto note 2"/>
+          <p:cNvSpPr>
+            <a:spLocks noGrp="1"/>
+          </p:cNvSpPr>
+          <p:nvPr>
+            <p:ph type="body" idx="1"/>
+          </p:nvPr>
+        </p:nvSpPr>
+        <p:spPr/>
+        <p:txBody>
+          <a:bodyPr/>
+          <a:lstStyle/>
+          <a:p>
+            <a:endParaRPr lang="it-CH" dirty="0"/>
+          </a:p>
+        </p:txBody>
+      </p:sp>
+      <p:sp>
+        <p:nvSpPr>
+          <p:cNvPr id="4" name="Segnaposto numero diapositiva 3"/>
+          <p:cNvSpPr>
+            <a:spLocks noGrp="1"/>
+          </p:cNvSpPr>
+          <p:nvPr>
+            <p:ph type="sldNum" sz="quarter" idx="10"/>
+          </p:nvPr>
+        </p:nvSpPr>
+        <p:spPr/>
+        <p:txBody>
+          <a:bodyPr/>
+          <a:lstStyle/>
+          <a:p>
+            <a:fld id="{62E71006-93ED-417B-8D1C-79E5B3A3D052}" type="slidenum">
+              <a:rPr lang="it-CH" smtClean="0"/>
+              <a:t>14</a:t>
+            </a:fld>
+            <a:endParaRPr lang="it-CH"/>
+          </a:p>
+        </p:txBody>
+      </p:sp>
+    </p:spTree>
+    <p:extLst>
+      <p:ext uri="{BB962C8B-B14F-4D97-AF65-F5344CB8AC3E}">
+        <p14:creationId xmlns:p14="http://schemas.microsoft.com/office/powerpoint/2010/main" val="3373592597"/>
       </p:ext>
     </p:extLst>
   </p:cSld>
@@ -1889,7 +2235,7 @@
           <a:p>
             <a:fld id="{7283AACF-1BFC-4293-8051-DBD69D65A7A5}" type="datetimeFigureOut">
               <a:rPr lang="it-CH" smtClean="0"/>
-              <a:t>27.04.2018</a:t>
+              <a:t>18.05.2018</a:t>
             </a:fld>
             <a:endParaRPr lang="it-CH"/>
           </a:p>
@@ -2140,7 +2486,7 @@
           <a:p>
             <a:fld id="{7283AACF-1BFC-4293-8051-DBD69D65A7A5}" type="datetimeFigureOut">
               <a:rPr lang="it-CH" smtClean="0"/>
-              <a:t>27.04.2018</a:t>
+              <a:t>18.05.2018</a:t>
             </a:fld>
             <a:endParaRPr lang="it-CH"/>
           </a:p>
@@ -2454,7 +2800,7 @@
           <a:p>
             <a:fld id="{7283AACF-1BFC-4293-8051-DBD69D65A7A5}" type="datetimeFigureOut">
               <a:rPr lang="it-CH" smtClean="0"/>
-              <a:t>27.04.2018</a:t>
+              <a:t>18.05.2018</a:t>
             </a:fld>
             <a:endParaRPr lang="it-CH"/>
           </a:p>
@@ -2781,7 +3127,7 @@
           <a:p>
             <a:fld id="{7283AACF-1BFC-4293-8051-DBD69D65A7A5}" type="datetimeFigureOut">
               <a:rPr lang="it-CH" smtClean="0"/>
-              <a:t>27.04.2018</a:t>
+              <a:t>18.05.2018</a:t>
             </a:fld>
             <a:endParaRPr lang="it-CH"/>
           </a:p>
@@ -3095,7 +3441,7 @@
           <a:p>
             <a:fld id="{7283AACF-1BFC-4293-8051-DBD69D65A7A5}" type="datetimeFigureOut">
               <a:rPr lang="it-CH" smtClean="0"/>
-              <a:t>27.04.2018</a:t>
+              <a:t>18.05.2018</a:t>
             </a:fld>
             <a:endParaRPr lang="it-CH"/>
           </a:p>
@@ -3482,7 +3828,7 @@
           <a:p>
             <a:fld id="{7283AACF-1BFC-4293-8051-DBD69D65A7A5}" type="datetimeFigureOut">
               <a:rPr lang="it-CH" smtClean="0"/>
-              <a:t>27.04.2018</a:t>
+              <a:t>18.05.2018</a:t>
             </a:fld>
             <a:endParaRPr lang="it-CH"/>
           </a:p>
@@ -3652,7 +3998,7 @@
           <a:p>
             <a:fld id="{7283AACF-1BFC-4293-8051-DBD69D65A7A5}" type="datetimeFigureOut">
               <a:rPr lang="it-CH" smtClean="0"/>
-              <a:t>27.04.2018</a:t>
+              <a:t>18.05.2018</a:t>
             </a:fld>
             <a:endParaRPr lang="it-CH"/>
           </a:p>
@@ -3832,7 +4178,7 @@
           <a:p>
             <a:fld id="{7283AACF-1BFC-4293-8051-DBD69D65A7A5}" type="datetimeFigureOut">
               <a:rPr lang="it-CH" smtClean="0"/>
-              <a:t>27.04.2018</a:t>
+              <a:t>18.05.2018</a:t>
             </a:fld>
             <a:endParaRPr lang="it-CH"/>
           </a:p>
@@ -4002,7 +4348,7 @@
           <a:p>
             <a:fld id="{7283AACF-1BFC-4293-8051-DBD69D65A7A5}" type="datetimeFigureOut">
               <a:rPr lang="it-CH" smtClean="0"/>
-              <a:t>27.04.2018</a:t>
+              <a:t>18.05.2018</a:t>
             </a:fld>
             <a:endParaRPr lang="it-CH"/>
           </a:p>
@@ -4249,7 +4595,7 @@
           <a:p>
             <a:fld id="{7283AACF-1BFC-4293-8051-DBD69D65A7A5}" type="datetimeFigureOut">
               <a:rPr lang="it-CH" smtClean="0"/>
-              <a:t>27.04.2018</a:t>
+              <a:t>18.05.2018</a:t>
             </a:fld>
             <a:endParaRPr lang="it-CH"/>
           </a:p>
@@ -4481,7 +4827,7 @@
           <a:p>
             <a:fld id="{7283AACF-1BFC-4293-8051-DBD69D65A7A5}" type="datetimeFigureOut">
               <a:rPr lang="it-CH" smtClean="0"/>
-              <a:t>27.04.2018</a:t>
+              <a:t>18.05.2018</a:t>
             </a:fld>
             <a:endParaRPr lang="it-CH"/>
           </a:p>
@@ -4855,7 +5201,7 @@
           <a:p>
             <a:fld id="{7283AACF-1BFC-4293-8051-DBD69D65A7A5}" type="datetimeFigureOut">
               <a:rPr lang="it-CH" smtClean="0"/>
-              <a:t>27.04.2018</a:t>
+              <a:t>18.05.2018</a:t>
             </a:fld>
             <a:endParaRPr lang="it-CH"/>
           </a:p>
@@ -4978,7 +5324,7 @@
           <a:p>
             <a:fld id="{7283AACF-1BFC-4293-8051-DBD69D65A7A5}" type="datetimeFigureOut">
               <a:rPr lang="it-CH" smtClean="0"/>
-              <a:t>27.04.2018</a:t>
+              <a:t>18.05.2018</a:t>
             </a:fld>
             <a:endParaRPr lang="it-CH"/>
           </a:p>
@@ -5073,7 +5419,7 @@
           <a:p>
             <a:fld id="{7283AACF-1BFC-4293-8051-DBD69D65A7A5}" type="datetimeFigureOut">
               <a:rPr lang="it-CH" smtClean="0"/>
-              <a:t>27.04.2018</a:t>
+              <a:t>18.05.2018</a:t>
             </a:fld>
             <a:endParaRPr lang="it-CH"/>
           </a:p>
@@ -5328,7 +5674,7 @@
           <a:p>
             <a:fld id="{7283AACF-1BFC-4293-8051-DBD69D65A7A5}" type="datetimeFigureOut">
               <a:rPr lang="it-CH" smtClean="0"/>
-              <a:t>27.04.2018</a:t>
+              <a:t>18.05.2018</a:t>
             </a:fld>
             <a:endParaRPr lang="it-CH"/>
           </a:p>
@@ -5591,7 +5937,7 @@
           <a:p>
             <a:fld id="{7283AACF-1BFC-4293-8051-DBD69D65A7A5}" type="datetimeFigureOut">
               <a:rPr lang="it-CH" smtClean="0"/>
-              <a:t>27.04.2018</a:t>
+              <a:t>18.05.2018</a:t>
             </a:fld>
             <a:endParaRPr lang="it-CH"/>
           </a:p>
@@ -6336,7 +6682,7 @@
           <a:p>
             <a:fld id="{7283AACF-1BFC-4293-8051-DBD69D65A7A5}" type="datetimeFigureOut">
               <a:rPr lang="it-CH" smtClean="0"/>
-              <a:t>27.04.2018</a:t>
+              <a:t>18.05.2018</a:t>
             </a:fld>
             <a:endParaRPr lang="it-CH"/>
           </a:p>
@@ -6997,6 +7343,356 @@
         </p:nvSpPr>
         <p:spPr/>
         <p:txBody>
+          <a:bodyPr/>
+          <a:lstStyle/>
+          <a:p>
+            <a:r>
+              <a:rPr lang="it-CH" dirty="0" smtClean="0"/>
+              <a:t>Implementazione - Server</a:t>
+            </a:r>
+            <a:endParaRPr lang="it-CH" dirty="0"/>
+          </a:p>
+        </p:txBody>
+      </p:sp>
+      <p:pic>
+        <p:nvPicPr>
+          <p:cNvPr id="5" name="Segnaposto contenuto 4"/>
+          <p:cNvPicPr>
+            <a:picLocks noGrp="1" noChangeAspect="1"/>
+          </p:cNvPicPr>
+          <p:nvPr>
+            <p:ph idx="1"/>
+          </p:nvPr>
+        </p:nvPicPr>
+        <p:blipFill>
+          <a:blip r:embed="rId2">
+            <a:extLst>
+              <a:ext uri="{28A0092B-C50C-407E-A947-70E740481C1C}">
+                <a14:useLocalDpi xmlns:a14="http://schemas.microsoft.com/office/drawing/2010/main" val="0"/>
+              </a:ext>
+            </a:extLst>
+          </a:blip>
+          <a:stretch>
+            <a:fillRect/>
+          </a:stretch>
+        </p:blipFill>
+        <p:spPr>
+          <a:xfrm>
+            <a:off x="677334" y="2396597"/>
+            <a:ext cx="4512295" cy="2540422"/>
+          </a:xfrm>
+          <a:ln w="28575">
+            <a:solidFill>
+              <a:schemeClr val="accent1"/>
+            </a:solidFill>
+          </a:ln>
+        </p:spPr>
+      </p:pic>
+      <p:sp>
+        <p:nvSpPr>
+          <p:cNvPr id="6" name="CasellaDiTesto 5"/>
+          <p:cNvSpPr txBox="1"/>
+          <p:nvPr/>
+        </p:nvSpPr>
+        <p:spPr>
+          <a:xfrm>
+            <a:off x="5897880" y="2756416"/>
+            <a:ext cx="5120640" cy="1272143"/>
+          </a:xfrm>
+          <a:prstGeom prst="rect">
+            <a:avLst/>
+          </a:prstGeom>
+          <a:noFill/>
+        </p:spPr>
+        <p:txBody>
+          <a:bodyPr wrap="square" rtlCol="0">
+            <a:spAutoFit/>
+          </a:bodyPr>
+          <a:lstStyle/>
+          <a:p>
+            <a:pPr marL="342900" lvl="0" indent="-342900" defTabSz="457200">
+              <a:spcBef>
+                <a:spcPts val="1000"/>
+              </a:spcBef>
+              <a:buClr>
+                <a:srgbClr val="F496CB">
+                  <a:lumMod val="75000"/>
+                </a:srgbClr>
+              </a:buClr>
+              <a:buSzPct val="80000"/>
+              <a:buFont typeface="Wingdings 3" charset="2"/>
+              <a:buChar char=""/>
+            </a:pPr>
+            <a:r>
+              <a:rPr lang="it-CH" sz="2000" dirty="0" smtClean="0">
+                <a:solidFill>
+                  <a:prstClr val="black">
+                    <a:lumMod val="75000"/>
+                    <a:lumOff val="25000"/>
+                  </a:prstClr>
+                </a:solidFill>
+              </a:rPr>
+              <a:t>Installazione Windows 10</a:t>
+            </a:r>
+            <a:endParaRPr lang="it-CH" sz="2000" dirty="0">
+              <a:solidFill>
+                <a:prstClr val="black">
+                  <a:lumMod val="75000"/>
+                  <a:lumOff val="25000"/>
+                </a:prstClr>
+              </a:solidFill>
+            </a:endParaRPr>
+          </a:p>
+          <a:p>
+            <a:pPr marL="342900" lvl="0" indent="-342900" defTabSz="457200">
+              <a:spcBef>
+                <a:spcPts val="1000"/>
+              </a:spcBef>
+              <a:buClr>
+                <a:srgbClr val="F496CB">
+                  <a:lumMod val="75000"/>
+                </a:srgbClr>
+              </a:buClr>
+              <a:buSzPct val="80000"/>
+              <a:buFont typeface="Wingdings 3" charset="2"/>
+              <a:buChar char=""/>
+            </a:pPr>
+            <a:r>
+              <a:rPr lang="it-CH" sz="2000" dirty="0" smtClean="0">
+                <a:solidFill>
+                  <a:prstClr val="black">
+                    <a:lumMod val="75000"/>
+                    <a:lumOff val="25000"/>
+                  </a:prstClr>
+                </a:solidFill>
+              </a:rPr>
+              <a:t>Workbench 6.3</a:t>
+            </a:r>
+          </a:p>
+          <a:p>
+            <a:pPr marL="342900" lvl="0" indent="-342900" defTabSz="457200">
+              <a:spcBef>
+                <a:spcPts val="1000"/>
+              </a:spcBef>
+              <a:buClr>
+                <a:srgbClr val="F496CB">
+                  <a:lumMod val="75000"/>
+                </a:srgbClr>
+              </a:buClr>
+              <a:buSzPct val="80000"/>
+              <a:buFont typeface="Wingdings 3" charset="2"/>
+              <a:buChar char=""/>
+            </a:pPr>
+            <a:r>
+              <a:rPr lang="it-CH" sz="2000" dirty="0" smtClean="0">
+                <a:solidFill>
+                  <a:prstClr val="black">
+                    <a:lumMod val="75000"/>
+                    <a:lumOff val="25000"/>
+                  </a:prstClr>
+                </a:solidFill>
+              </a:rPr>
+              <a:t>XAMPP 3.2.2</a:t>
+            </a:r>
+            <a:endParaRPr lang="it-CH" sz="2800" dirty="0">
+              <a:solidFill>
+                <a:schemeClr val="tx1">
+                  <a:lumMod val="75000"/>
+                  <a:lumOff val="25000"/>
+                </a:schemeClr>
+              </a:solidFill>
+            </a:endParaRPr>
+          </a:p>
+        </p:txBody>
+      </p:sp>
+    </p:spTree>
+    <p:extLst>
+      <p:ext uri="{BB962C8B-B14F-4D97-AF65-F5344CB8AC3E}">
+        <p14:creationId xmlns:p14="http://schemas.microsoft.com/office/powerpoint/2010/main" val="321467088"/>
+      </p:ext>
+    </p:extLst>
+  </p:cSld>
+  <p:clrMapOvr>
+    <a:masterClrMapping/>
+  </p:clrMapOvr>
+</p:sld>
+</file>
+
+<file path=ppt/slides/slide11.xml><?xml version="1.0" encoding="utf-8"?>
+<p:sld xmlns:a="http://schemas.openxmlformats.org/drawingml/2006/main" xmlns:r="http://schemas.openxmlformats.org/officeDocument/2006/relationships" xmlns:p="http://schemas.openxmlformats.org/presentationml/2006/main">
+  <p:cSld>
+    <p:spTree>
+      <p:nvGrpSpPr>
+        <p:cNvPr id="1" name=""/>
+        <p:cNvGrpSpPr/>
+        <p:nvPr/>
+      </p:nvGrpSpPr>
+      <p:grpSpPr>
+        <a:xfrm>
+          <a:off x="0" y="0"/>
+          <a:ext cx="0" cy="0"/>
+          <a:chOff x="0" y="0"/>
+          <a:chExt cx="0" cy="0"/>
+        </a:xfrm>
+      </p:grpSpPr>
+      <p:sp>
+        <p:nvSpPr>
+          <p:cNvPr id="2" name="Titolo 1"/>
+          <p:cNvSpPr>
+            <a:spLocks noGrp="1"/>
+          </p:cNvSpPr>
+          <p:nvPr>
+            <p:ph type="title"/>
+          </p:nvPr>
+        </p:nvSpPr>
+        <p:spPr/>
+        <p:txBody>
+          <a:bodyPr/>
+          <a:lstStyle/>
+          <a:p>
+            <a:r>
+              <a:rPr lang="it-CH" dirty="0" smtClean="0"/>
+              <a:t>Implementazione - Client</a:t>
+            </a:r>
+            <a:endParaRPr lang="it-CH" dirty="0"/>
+          </a:p>
+        </p:txBody>
+      </p:sp>
+      <p:pic>
+        <p:nvPicPr>
+          <p:cNvPr id="4" name="Segnaposto contenuto 3"/>
+          <p:cNvPicPr>
+            <a:picLocks noGrp="1" noChangeAspect="1"/>
+          </p:cNvPicPr>
+          <p:nvPr>
+            <p:ph idx="1"/>
+          </p:nvPr>
+        </p:nvPicPr>
+        <p:blipFill rotWithShape="1">
+          <a:blip r:embed="rId2">
+            <a:extLst>
+              <a:ext uri="{28A0092B-C50C-407E-A947-70E740481C1C}">
+                <a14:useLocalDpi xmlns:a14="http://schemas.microsoft.com/office/drawing/2010/main" val="0"/>
+              </a:ext>
+            </a:extLst>
+          </a:blip>
+          <a:srcRect l="27469" t="18837" r="26177" b="19026"/>
+          <a:stretch/>
+        </p:blipFill>
+        <p:spPr>
+          <a:xfrm>
+            <a:off x="677334" y="1930400"/>
+            <a:ext cx="4146126" cy="3390823"/>
+          </a:xfrm>
+          <a:prstGeom prst="ellipse">
+            <a:avLst/>
+          </a:prstGeom>
+          <a:ln w="28575">
+            <a:solidFill>
+              <a:schemeClr val="accent1"/>
+            </a:solidFill>
+          </a:ln>
+        </p:spPr>
+      </p:pic>
+      <p:sp>
+        <p:nvSpPr>
+          <p:cNvPr id="6" name="CasellaDiTesto 5"/>
+          <p:cNvSpPr txBox="1"/>
+          <p:nvPr/>
+        </p:nvSpPr>
+        <p:spPr>
+          <a:xfrm>
+            <a:off x="5737860" y="3192433"/>
+            <a:ext cx="4229100" cy="400110"/>
+          </a:xfrm>
+          <a:prstGeom prst="rect">
+            <a:avLst/>
+          </a:prstGeom>
+          <a:noFill/>
+        </p:spPr>
+        <p:txBody>
+          <a:bodyPr wrap="square" rtlCol="0">
+            <a:spAutoFit/>
+          </a:bodyPr>
+          <a:lstStyle/>
+          <a:p>
+            <a:pPr marL="342900" lvl="0" indent="-342900" defTabSz="457200">
+              <a:spcBef>
+                <a:spcPts val="1000"/>
+              </a:spcBef>
+              <a:buClr>
+                <a:srgbClr val="F496CB">
+                  <a:lumMod val="75000"/>
+                </a:srgbClr>
+              </a:buClr>
+              <a:buSzPct val="80000"/>
+              <a:buFont typeface="Wingdings 3" charset="2"/>
+              <a:buChar char=""/>
+            </a:pPr>
+            <a:r>
+              <a:rPr lang="it-CH" sz="2000" dirty="0" smtClean="0">
+                <a:solidFill>
+                  <a:schemeClr val="tx1">
+                    <a:lumMod val="75000"/>
+                    <a:lumOff val="25000"/>
+                  </a:schemeClr>
+                </a:solidFill>
+              </a:rPr>
+              <a:t>Installazione Raspian 4.14</a:t>
+            </a:r>
+            <a:endParaRPr lang="it-CH" sz="2000" dirty="0">
+              <a:solidFill>
+                <a:schemeClr val="tx1">
+                  <a:lumMod val="75000"/>
+                  <a:lumOff val="25000"/>
+                </a:schemeClr>
+              </a:solidFill>
+            </a:endParaRPr>
+          </a:p>
+        </p:txBody>
+      </p:sp>
+    </p:spTree>
+    <p:extLst>
+      <p:ext uri="{BB962C8B-B14F-4D97-AF65-F5344CB8AC3E}">
+        <p14:creationId xmlns:p14="http://schemas.microsoft.com/office/powerpoint/2010/main" val="589896667"/>
+      </p:ext>
+    </p:extLst>
+  </p:cSld>
+  <p:clrMapOvr>
+    <a:masterClrMapping/>
+  </p:clrMapOvr>
+</p:sld>
+</file>
+
+<file path=ppt/slides/slide12.xml><?xml version="1.0" encoding="utf-8"?>
+<p:sld xmlns:a="http://schemas.openxmlformats.org/drawingml/2006/main" xmlns:r="http://schemas.openxmlformats.org/officeDocument/2006/relationships" xmlns:p="http://schemas.openxmlformats.org/presentationml/2006/main">
+  <p:cSld>
+    <p:spTree>
+      <p:nvGrpSpPr>
+        <p:cNvPr id="1" name=""/>
+        <p:cNvGrpSpPr/>
+        <p:nvPr/>
+      </p:nvGrpSpPr>
+      <p:grpSpPr>
+        <a:xfrm>
+          <a:off x="0" y="0"/>
+          <a:ext cx="0" cy="0"/>
+          <a:chOff x="0" y="0"/>
+          <a:chExt cx="0" cy="0"/>
+        </a:xfrm>
+      </p:grpSpPr>
+      <p:sp>
+        <p:nvSpPr>
+          <p:cNvPr id="2" name="Titolo 1"/>
+          <p:cNvSpPr>
+            <a:spLocks noGrp="1"/>
+          </p:cNvSpPr>
+          <p:nvPr>
+            <p:ph type="title"/>
+          </p:nvPr>
+        </p:nvSpPr>
+        <p:spPr/>
+        <p:txBody>
           <a:bodyPr anchor="ctr">
             <a:noAutofit/>
           </a:bodyPr>
@@ -7095,7 +7791,7 @@
 </p:sld>
 </file>
 
-<file path=ppt/slides/slide11.xml><?xml version="1.0" encoding="utf-8"?>
+<file path=ppt/slides/slide13.xml><?xml version="1.0" encoding="utf-8"?>
 <p:sld xmlns:a="http://schemas.openxmlformats.org/drawingml/2006/main" xmlns:r="http://schemas.openxmlformats.org/officeDocument/2006/relationships" xmlns:p="http://schemas.openxmlformats.org/presentationml/2006/main">
   <p:cSld>
     <p:spTree>
@@ -7470,7 +8166,7 @@
 </p:sld>
 </file>
 
-<file path=ppt/slides/slide12.xml><?xml version="1.0" encoding="utf-8"?>
+<file path=ppt/slides/slide14.xml><?xml version="1.0" encoding="utf-8"?>
 <p:sld xmlns:a="http://schemas.openxmlformats.org/drawingml/2006/main" xmlns:r="http://schemas.openxmlformats.org/officeDocument/2006/relationships" xmlns:p="http://schemas.openxmlformats.org/presentationml/2006/main">
   <p:cSld>
     <p:spTree>
@@ -7494,56 +8190,613 @@
             <a:spLocks noGrp="1"/>
           </p:cNvSpPr>
           <p:nvPr>
-            <p:ph type="ctrTitle"/>
-          </p:nvPr>
-        </p:nvSpPr>
-        <p:spPr/>
-        <p:txBody>
-          <a:bodyPr/>
-          <a:lstStyle/>
-          <a:p>
-            <a:r>
-              <a:rPr lang="it-CH" dirty="0"/>
-              <a:t>Domande?</a:t>
-            </a:r>
-          </a:p>
-        </p:txBody>
-      </p:sp>
-      <p:sp>
-        <p:nvSpPr>
-          <p:cNvPr id="3" name="Sottotitolo 2"/>
-          <p:cNvSpPr>
-            <a:spLocks noGrp="1"/>
-          </p:cNvSpPr>
-          <p:nvPr>
-            <p:ph type="subTitle" idx="1"/>
-          </p:nvPr>
-        </p:nvSpPr>
-        <p:spPr/>
-        <p:txBody>
-          <a:bodyPr/>
-          <a:lstStyle/>
-          <a:p>
-            <a:r>
-              <a:rPr lang="it-CH" dirty="0"/>
-              <a:t>Grazie per l’attenzione</a:t>
-            </a:r>
-          </a:p>
-        </p:txBody>
-      </p:sp>
+            <p:ph type="title"/>
+          </p:nvPr>
+        </p:nvSpPr>
+        <p:spPr>
+          <a:xfrm>
+            <a:off x="677333" y="609600"/>
+            <a:ext cx="9364737" cy="1320800"/>
+          </a:xfrm>
+        </p:spPr>
+        <p:txBody>
+          <a:bodyPr anchor="ctr">
+            <a:noAutofit/>
+          </a:bodyPr>
+          <a:lstStyle/>
+          <a:p>
+            <a:r>
+              <a:rPr lang="it-CH" dirty="0" smtClean="0"/>
+              <a:t>Implementazione</a:t>
+            </a:r>
+            <a:r>
+              <a:rPr lang="it-CH" sz="5400" dirty="0" smtClean="0"/>
+              <a:t> </a:t>
+            </a:r>
+            <a:r>
+              <a:rPr lang="it-CH" dirty="0" smtClean="0"/>
+              <a:t>– Orario</a:t>
+            </a:r>
+            <a:endParaRPr lang="it-CH" sz="5400" dirty="0"/>
+          </a:p>
+        </p:txBody>
+      </p:sp>
+      <p:sp>
+        <p:nvSpPr>
+          <p:cNvPr id="3" name="Segnaposto contenuto 2"/>
+          <p:cNvSpPr>
+            <a:spLocks noGrp="1"/>
+          </p:cNvSpPr>
+          <p:nvPr>
+            <p:ph idx="1"/>
+          </p:nvPr>
+        </p:nvSpPr>
+        <p:spPr>
+          <a:xfrm>
+            <a:off x="5177790" y="2160589"/>
+            <a:ext cx="4096212" cy="3880773"/>
+          </a:xfrm>
+        </p:spPr>
+        <p:txBody>
+          <a:bodyPr>
+            <a:noAutofit/>
+          </a:bodyPr>
+          <a:lstStyle/>
+          <a:p>
+            <a:r>
+              <a:rPr lang="it-CH" dirty="0" smtClean="0"/>
+              <a:t>Data e ora corrente</a:t>
+            </a:r>
+          </a:p>
+          <a:p>
+            <a:r>
+              <a:rPr lang="it-CH" dirty="0" smtClean="0"/>
+              <a:t>Ora visualizzata attraverso i </a:t>
+            </a:r>
+            <a:r>
+              <a:rPr lang="it-CH" dirty="0" err="1" smtClean="0"/>
+              <a:t>canvas</a:t>
+            </a:r>
+            <a:endParaRPr lang="it-CH" dirty="0" smtClean="0"/>
+          </a:p>
+          <a:p>
+            <a:r>
+              <a:rPr lang="it-CH" dirty="0" smtClean="0"/>
+              <a:t>Codice preso da w3schools</a:t>
+            </a:r>
+            <a:endParaRPr lang="it-CH" dirty="0"/>
+          </a:p>
+        </p:txBody>
+      </p:sp>
+      <p:pic>
+        <p:nvPicPr>
+          <p:cNvPr id="4" name="Immagine 3"/>
+          <p:cNvPicPr>
+            <a:picLocks noChangeAspect="1"/>
+          </p:cNvPicPr>
+          <p:nvPr/>
+        </p:nvPicPr>
+        <p:blipFill>
+          <a:blip r:embed="rId3"/>
+          <a:stretch>
+            <a:fillRect/>
+          </a:stretch>
+        </p:blipFill>
+        <p:spPr>
+          <a:xfrm>
+            <a:off x="677332" y="2160589"/>
+            <a:ext cx="3675249" cy="3880773"/>
+          </a:xfrm>
+          <a:prstGeom prst="rect">
+            <a:avLst/>
+          </a:prstGeom>
+          <a:ln>
+            <a:solidFill>
+              <a:schemeClr val="accent1"/>
+            </a:solidFill>
+          </a:ln>
+        </p:spPr>
+      </p:pic>
     </p:spTree>
     <p:extLst>
       <p:ext uri="{BB962C8B-B14F-4D97-AF65-F5344CB8AC3E}">
-        <p14:creationId xmlns:p14="http://schemas.microsoft.com/office/powerpoint/2010/main" val="3388456518"/>
+        <p14:creationId xmlns:p14="http://schemas.microsoft.com/office/powerpoint/2010/main" val="1865968434"/>
       </p:ext>
     </p:extLst>
   </p:cSld>
   <p:clrMapOvr>
     <a:masterClrMapping/>
   </p:clrMapOvr>
-  <p:transition spd="slow">
-    <p:cover/>
-  </p:transition>
+  <mc:AlternateContent xmlns:mc="http://schemas.openxmlformats.org/markup-compatibility/2006" xmlns:p14="http://schemas.microsoft.com/office/powerpoint/2010/main">
+    <mc:Choice Requires="p14">
+      <p:transition p14:dur="0"/>
+    </mc:Choice>
+    <mc:Fallback xmlns="">
+      <p:transition/>
+    </mc:Fallback>
+  </mc:AlternateContent>
+  <p:timing>
+    <p:tnLst>
+      <p:par>
+        <p:cTn id="1" dur="indefinite" restart="never" nodeType="tmRoot"/>
+      </p:par>
+    </p:tnLst>
+  </p:timing>
+</p:sld>
+</file>
+
+<file path=ppt/slides/slide15.xml><?xml version="1.0" encoding="utf-8"?>
+<p:sld xmlns:a="http://schemas.openxmlformats.org/drawingml/2006/main" xmlns:r="http://schemas.openxmlformats.org/officeDocument/2006/relationships" xmlns:p="http://schemas.openxmlformats.org/presentationml/2006/main">
+  <p:cSld>
+    <p:spTree>
+      <p:nvGrpSpPr>
+        <p:cNvPr id="1" name=""/>
+        <p:cNvGrpSpPr/>
+        <p:nvPr/>
+      </p:nvGrpSpPr>
+      <p:grpSpPr>
+        <a:xfrm>
+          <a:off x="0" y="0"/>
+          <a:ext cx="0" cy="0"/>
+          <a:chOff x="0" y="0"/>
+          <a:chExt cx="0" cy="0"/>
+        </a:xfrm>
+      </p:grpSpPr>
+      <p:sp>
+        <p:nvSpPr>
+          <p:cNvPr id="2" name="Titolo 1"/>
+          <p:cNvSpPr>
+            <a:spLocks noGrp="1"/>
+          </p:cNvSpPr>
+          <p:nvPr>
+            <p:ph type="title"/>
+          </p:nvPr>
+        </p:nvSpPr>
+        <p:spPr>
+          <a:xfrm>
+            <a:off x="677333" y="609600"/>
+            <a:ext cx="9364737" cy="1320800"/>
+          </a:xfrm>
+        </p:spPr>
+        <p:txBody>
+          <a:bodyPr anchor="ctr">
+            <a:noAutofit/>
+          </a:bodyPr>
+          <a:lstStyle/>
+          <a:p>
+            <a:r>
+              <a:rPr lang="it-CH" dirty="0" smtClean="0"/>
+              <a:t>Implementazione</a:t>
+            </a:r>
+            <a:r>
+              <a:rPr lang="it-CH" sz="5400" dirty="0" smtClean="0"/>
+              <a:t> </a:t>
+            </a:r>
+            <a:r>
+              <a:rPr lang="it-CH" dirty="0" smtClean="0"/>
+              <a:t>– Orario scolastico</a:t>
+            </a:r>
+            <a:endParaRPr lang="it-CH" sz="5400" dirty="0"/>
+          </a:p>
+        </p:txBody>
+      </p:sp>
+      <p:sp>
+        <p:nvSpPr>
+          <p:cNvPr id="3" name="Segnaposto contenuto 2"/>
+          <p:cNvSpPr>
+            <a:spLocks noGrp="1"/>
+          </p:cNvSpPr>
+          <p:nvPr>
+            <p:ph idx="1"/>
+          </p:nvPr>
+        </p:nvSpPr>
+        <p:spPr>
+          <a:xfrm>
+            <a:off x="677333" y="2216944"/>
+            <a:ext cx="8596668" cy="571499"/>
+          </a:xfrm>
+        </p:spPr>
+        <p:txBody>
+          <a:bodyPr>
+            <a:noAutofit/>
+          </a:bodyPr>
+          <a:lstStyle/>
+          <a:p>
+            <a:r>
+              <a:rPr lang="it-CH" sz="2400" dirty="0" smtClean="0"/>
+              <a:t>Database -&gt; struttura vista prima</a:t>
+            </a:r>
+            <a:endParaRPr lang="it-CH" sz="2400" dirty="0"/>
+          </a:p>
+        </p:txBody>
+      </p:sp>
+    </p:spTree>
+    <p:extLst>
+      <p:ext uri="{BB962C8B-B14F-4D97-AF65-F5344CB8AC3E}">
+        <p14:creationId xmlns:p14="http://schemas.microsoft.com/office/powerpoint/2010/main" val="1420826871"/>
+      </p:ext>
+    </p:extLst>
+  </p:cSld>
+  <p:clrMapOvr>
+    <a:masterClrMapping/>
+  </p:clrMapOvr>
+  <mc:AlternateContent xmlns:mc="http://schemas.openxmlformats.org/markup-compatibility/2006" xmlns:p14="http://schemas.microsoft.com/office/powerpoint/2010/main">
+    <mc:Choice Requires="p14">
+      <p:transition p14:dur="0"/>
+    </mc:Choice>
+    <mc:Fallback xmlns="">
+      <p:transition/>
+    </mc:Fallback>
+  </mc:AlternateContent>
+  <p:timing>
+    <p:tnLst>
+      <p:par>
+        <p:cTn id="1" dur="indefinite" restart="never" nodeType="tmRoot"/>
+      </p:par>
+    </p:tnLst>
+  </p:timing>
+</p:sld>
+</file>
+
+<file path=ppt/slides/slide16.xml><?xml version="1.0" encoding="utf-8"?>
+<p:sld xmlns:a="http://schemas.openxmlformats.org/drawingml/2006/main" xmlns:r="http://schemas.openxmlformats.org/officeDocument/2006/relationships" xmlns:p="http://schemas.openxmlformats.org/presentationml/2006/main">
+  <p:cSld>
+    <p:spTree>
+      <p:nvGrpSpPr>
+        <p:cNvPr id="1" name=""/>
+        <p:cNvGrpSpPr/>
+        <p:nvPr/>
+      </p:nvGrpSpPr>
+      <p:grpSpPr>
+        <a:xfrm>
+          <a:off x="0" y="0"/>
+          <a:ext cx="0" cy="0"/>
+          <a:chOff x="0" y="0"/>
+          <a:chExt cx="0" cy="0"/>
+        </a:xfrm>
+      </p:grpSpPr>
+      <p:sp>
+        <p:nvSpPr>
+          <p:cNvPr id="2" name="Titolo 1"/>
+          <p:cNvSpPr>
+            <a:spLocks noGrp="1"/>
+          </p:cNvSpPr>
+          <p:nvPr>
+            <p:ph type="title"/>
+          </p:nvPr>
+        </p:nvSpPr>
+        <p:spPr/>
+        <p:txBody>
+          <a:bodyPr/>
+          <a:lstStyle/>
+          <a:p>
+            <a:r>
+              <a:rPr lang="it-CH" dirty="0" smtClean="0"/>
+              <a:t>Implementazione – visualizzazione orari</a:t>
+            </a:r>
+            <a:endParaRPr lang="it-CH" dirty="0"/>
+          </a:p>
+        </p:txBody>
+      </p:sp>
+      <p:pic>
+        <p:nvPicPr>
+          <p:cNvPr id="6" name="Segnaposto contenuto 5"/>
+          <p:cNvPicPr>
+            <a:picLocks noGrp="1" noChangeAspect="1"/>
+          </p:cNvPicPr>
+          <p:nvPr>
+            <p:ph idx="1"/>
+          </p:nvPr>
+        </p:nvPicPr>
+        <p:blipFill>
+          <a:blip r:embed="rId2"/>
+          <a:stretch>
+            <a:fillRect/>
+          </a:stretch>
+        </p:blipFill>
+        <p:spPr>
+          <a:xfrm>
+            <a:off x="677690" y="1930400"/>
+            <a:ext cx="10360592" cy="1087120"/>
+          </a:xfrm>
+          <a:prstGeom prst="rect">
+            <a:avLst/>
+          </a:prstGeom>
+          <a:ln w="28575">
+            <a:solidFill>
+              <a:schemeClr val="accent1"/>
+            </a:solidFill>
+          </a:ln>
+        </p:spPr>
+      </p:pic>
+      <p:pic>
+        <p:nvPicPr>
+          <p:cNvPr id="7" name="Immagine 6"/>
+          <p:cNvPicPr>
+            <a:picLocks noChangeAspect="1"/>
+          </p:cNvPicPr>
+          <p:nvPr/>
+        </p:nvPicPr>
+        <p:blipFill>
+          <a:blip r:embed="rId3"/>
+          <a:stretch>
+            <a:fillRect/>
+          </a:stretch>
+        </p:blipFill>
+        <p:spPr>
+          <a:xfrm>
+            <a:off x="677334" y="3392488"/>
+            <a:ext cx="5418666" cy="2598225"/>
+          </a:xfrm>
+          <a:prstGeom prst="rect">
+            <a:avLst/>
+          </a:prstGeom>
+          <a:ln w="28575">
+            <a:solidFill>
+              <a:schemeClr val="accent1"/>
+            </a:solidFill>
+          </a:ln>
+        </p:spPr>
+      </p:pic>
+    </p:spTree>
+    <p:extLst>
+      <p:ext uri="{BB962C8B-B14F-4D97-AF65-F5344CB8AC3E}">
+        <p14:creationId xmlns:p14="http://schemas.microsoft.com/office/powerpoint/2010/main" val="3449300677"/>
+      </p:ext>
+    </p:extLst>
+  </p:cSld>
+  <p:clrMapOvr>
+    <a:masterClrMapping/>
+  </p:clrMapOvr>
+  <p:timing>
+    <p:tnLst>
+      <p:par>
+        <p:cTn id="1" dur="indefinite" restart="never" nodeType="tmRoot"/>
+      </p:par>
+    </p:tnLst>
+  </p:timing>
+</p:sld>
+</file>
+
+<file path=ppt/slides/slide17.xml><?xml version="1.0" encoding="utf-8"?>
+<p:sld xmlns:a="http://schemas.openxmlformats.org/drawingml/2006/main" xmlns:r="http://schemas.openxmlformats.org/officeDocument/2006/relationships" xmlns:p="http://schemas.openxmlformats.org/presentationml/2006/main">
+  <p:cSld>
+    <p:spTree>
+      <p:nvGrpSpPr>
+        <p:cNvPr id="1" name=""/>
+        <p:cNvGrpSpPr/>
+        <p:nvPr/>
+      </p:nvGrpSpPr>
+      <p:grpSpPr>
+        <a:xfrm>
+          <a:off x="0" y="0"/>
+          <a:ext cx="0" cy="0"/>
+          <a:chOff x="0" y="0"/>
+          <a:chExt cx="0" cy="0"/>
+        </a:xfrm>
+      </p:grpSpPr>
+      <p:sp>
+        <p:nvSpPr>
+          <p:cNvPr id="2" name="Titolo 1"/>
+          <p:cNvSpPr>
+            <a:spLocks noGrp="1"/>
+          </p:cNvSpPr>
+          <p:nvPr>
+            <p:ph type="title"/>
+          </p:nvPr>
+        </p:nvSpPr>
+        <p:spPr/>
+        <p:txBody>
+          <a:bodyPr/>
+          <a:lstStyle/>
+          <a:p>
+            <a:r>
+              <a:rPr lang="it-CH" dirty="0" smtClean="0"/>
+              <a:t>Test</a:t>
+            </a:r>
+            <a:endParaRPr lang="it-CH" dirty="0"/>
+          </a:p>
+        </p:txBody>
+      </p:sp>
+      <p:pic>
+        <p:nvPicPr>
+          <p:cNvPr id="6" name="Segnaposto contenuto 5"/>
+          <p:cNvPicPr>
+            <a:picLocks noGrp="1" noChangeAspect="1"/>
+          </p:cNvPicPr>
+          <p:nvPr>
+            <p:ph idx="1"/>
+          </p:nvPr>
+        </p:nvPicPr>
+        <p:blipFill>
+          <a:blip r:embed="rId2"/>
+          <a:stretch>
+            <a:fillRect/>
+          </a:stretch>
+        </p:blipFill>
+        <p:spPr>
+          <a:xfrm>
+            <a:off x="677334" y="2339180"/>
+            <a:ext cx="9451069" cy="2507139"/>
+          </a:xfrm>
+          <a:prstGeom prst="rect">
+            <a:avLst/>
+          </a:prstGeom>
+          <a:ln>
+            <a:solidFill>
+              <a:schemeClr val="accent1"/>
+            </a:solidFill>
+          </a:ln>
+        </p:spPr>
+      </p:pic>
+      <p:pic>
+        <p:nvPicPr>
+          <p:cNvPr id="7" name="Immagine 6"/>
+          <p:cNvPicPr>
+            <a:picLocks noChangeAspect="1"/>
+          </p:cNvPicPr>
+          <p:nvPr/>
+        </p:nvPicPr>
+        <p:blipFill>
+          <a:blip r:embed="rId3"/>
+          <a:stretch>
+            <a:fillRect/>
+          </a:stretch>
+        </p:blipFill>
+        <p:spPr>
+          <a:xfrm>
+            <a:off x="1727835" y="4465772"/>
+            <a:ext cx="1301116" cy="220528"/>
+          </a:xfrm>
+          <a:prstGeom prst="rect">
+            <a:avLst/>
+          </a:prstGeom>
+        </p:spPr>
+      </p:pic>
+    </p:spTree>
+    <p:extLst>
+      <p:ext uri="{BB962C8B-B14F-4D97-AF65-F5344CB8AC3E}">
+        <p14:creationId xmlns:p14="http://schemas.microsoft.com/office/powerpoint/2010/main" val="277897283"/>
+      </p:ext>
+    </p:extLst>
+  </p:cSld>
+  <p:clrMapOvr>
+    <a:masterClrMapping/>
+  </p:clrMapOvr>
+  <p:timing>
+    <p:tnLst>
+      <p:par>
+        <p:cTn id="1" dur="indefinite" restart="never" nodeType="tmRoot"/>
+      </p:par>
+    </p:tnLst>
+  </p:timing>
+</p:sld>
+</file>
+
+<file path=ppt/slides/slide18.xml><?xml version="1.0" encoding="utf-8"?>
+<p:sld xmlns:a="http://schemas.openxmlformats.org/drawingml/2006/main" xmlns:r="http://schemas.openxmlformats.org/officeDocument/2006/relationships" xmlns:p="http://schemas.openxmlformats.org/presentationml/2006/main">
+  <p:cSld>
+    <p:spTree>
+      <p:nvGrpSpPr>
+        <p:cNvPr id="1" name=""/>
+        <p:cNvGrpSpPr/>
+        <p:nvPr/>
+      </p:nvGrpSpPr>
+      <p:grpSpPr>
+        <a:xfrm>
+          <a:off x="0" y="0"/>
+          <a:ext cx="0" cy="0"/>
+          <a:chOff x="0" y="0"/>
+          <a:chExt cx="0" cy="0"/>
+        </a:xfrm>
+      </p:grpSpPr>
+      <p:sp>
+        <p:nvSpPr>
+          <p:cNvPr id="2" name="Titolo 1"/>
+          <p:cNvSpPr>
+            <a:spLocks noGrp="1"/>
+          </p:cNvSpPr>
+          <p:nvPr>
+            <p:ph type="title"/>
+          </p:nvPr>
+        </p:nvSpPr>
+        <p:spPr/>
+        <p:txBody>
+          <a:bodyPr/>
+          <a:lstStyle/>
+          <a:p>
+            <a:r>
+              <a:rPr lang="it-CH" dirty="0" smtClean="0"/>
+              <a:t>Visualizzazione finale della pagina</a:t>
+            </a:r>
+            <a:endParaRPr lang="it-CH" dirty="0"/>
+          </a:p>
+        </p:txBody>
+      </p:sp>
+      <p:sp>
+        <p:nvSpPr>
+          <p:cNvPr id="3" name="Segnaposto contenuto 2"/>
+          <p:cNvSpPr>
+            <a:spLocks noGrp="1"/>
+          </p:cNvSpPr>
+          <p:nvPr>
+            <p:ph idx="1"/>
+          </p:nvPr>
+        </p:nvSpPr>
+        <p:spPr/>
+        <p:txBody>
+          <a:bodyPr/>
+          <a:lstStyle/>
+          <a:p>
+            <a:endParaRPr lang="it-CH"/>
+          </a:p>
+        </p:txBody>
+      </p:sp>
+    </p:spTree>
+    <p:extLst>
+      <p:ext uri="{BB962C8B-B14F-4D97-AF65-F5344CB8AC3E}">
+        <p14:creationId xmlns:p14="http://schemas.microsoft.com/office/powerpoint/2010/main" val="3311195170"/>
+      </p:ext>
+    </p:extLst>
+  </p:cSld>
+  <p:clrMapOvr>
+    <a:masterClrMapping/>
+  </p:clrMapOvr>
+</p:sld>
+</file>
+
+<file path=ppt/slides/slide19.xml><?xml version="1.0" encoding="utf-8"?>
+<p:sld xmlns:a="http://schemas.openxmlformats.org/drawingml/2006/main" xmlns:r="http://schemas.openxmlformats.org/officeDocument/2006/relationships" xmlns:p="http://schemas.openxmlformats.org/presentationml/2006/main">
+  <p:cSld>
+    <p:spTree>
+      <p:nvGrpSpPr>
+        <p:cNvPr id="1" name=""/>
+        <p:cNvGrpSpPr/>
+        <p:nvPr/>
+      </p:nvGrpSpPr>
+      <p:grpSpPr>
+        <a:xfrm>
+          <a:off x="0" y="0"/>
+          <a:ext cx="0" cy="0"/>
+          <a:chOff x="0" y="0"/>
+          <a:chExt cx="0" cy="0"/>
+        </a:xfrm>
+      </p:grpSpPr>
+      <p:sp>
+        <p:nvSpPr>
+          <p:cNvPr id="4" name="Titolo 3"/>
+          <p:cNvSpPr>
+            <a:spLocks noGrp="1"/>
+          </p:cNvSpPr>
+          <p:nvPr>
+            <p:ph type="title"/>
+          </p:nvPr>
+        </p:nvSpPr>
+        <p:spPr/>
+        <p:txBody>
+          <a:bodyPr>
+            <a:normAutofit/>
+          </a:bodyPr>
+          <a:lstStyle/>
+          <a:p>
+            <a:r>
+              <a:rPr lang="it-CH" sz="5400" dirty="0" smtClean="0"/>
+              <a:t>Conclusione</a:t>
+            </a:r>
+            <a:endParaRPr lang="it-CH" sz="5400" dirty="0"/>
+          </a:p>
+        </p:txBody>
+      </p:sp>
+    </p:spTree>
+    <p:extLst>
+      <p:ext uri="{BB962C8B-B14F-4D97-AF65-F5344CB8AC3E}">
+        <p14:creationId xmlns:p14="http://schemas.microsoft.com/office/powerpoint/2010/main" val="3544871121"/>
+      </p:ext>
+    </p:extLst>
+  </p:cSld>
+  <p:clrMapOvr>
+    <a:masterClrMapping/>
+  </p:clrMapOvr>
   <p:timing>
     <p:tnLst>
       <p:par>
@@ -7693,6 +8946,291 @@
 </p:sld>
 </file>
 
+<file path=ppt/slides/slide20.xml><?xml version="1.0" encoding="utf-8"?>
+<p:sld xmlns:a="http://schemas.openxmlformats.org/drawingml/2006/main" xmlns:r="http://schemas.openxmlformats.org/officeDocument/2006/relationships" xmlns:p="http://schemas.openxmlformats.org/presentationml/2006/main">
+  <p:cSld>
+    <p:spTree>
+      <p:nvGrpSpPr>
+        <p:cNvPr id="1" name=""/>
+        <p:cNvGrpSpPr/>
+        <p:nvPr/>
+      </p:nvGrpSpPr>
+      <p:grpSpPr>
+        <a:xfrm>
+          <a:off x="0" y="0"/>
+          <a:ext cx="0" cy="0"/>
+          <a:chOff x="0" y="0"/>
+          <a:chExt cx="0" cy="0"/>
+        </a:xfrm>
+      </p:grpSpPr>
+      <p:sp>
+        <p:nvSpPr>
+          <p:cNvPr id="5" name="Titolo 4"/>
+          <p:cNvSpPr>
+            <a:spLocks noGrp="1"/>
+          </p:cNvSpPr>
+          <p:nvPr>
+            <p:ph type="title"/>
+          </p:nvPr>
+        </p:nvSpPr>
+        <p:spPr/>
+        <p:txBody>
+          <a:bodyPr anchor="ctr"/>
+          <a:lstStyle/>
+          <a:p>
+            <a:r>
+              <a:rPr lang="it-CH" dirty="0"/>
+              <a:t>GANNT iniziale</a:t>
+            </a:r>
+          </a:p>
+        </p:txBody>
+      </p:sp>
+      <p:pic>
+        <p:nvPicPr>
+          <p:cNvPr id="4" name="Immagine 3"/>
+          <p:cNvPicPr>
+            <a:picLocks noChangeAspect="1"/>
+          </p:cNvPicPr>
+          <p:nvPr/>
+        </p:nvPicPr>
+        <p:blipFill rotWithShape="1">
+          <a:blip r:embed="rId3"/>
+          <a:srcRect l="1088" t="14912" r="22531" b="24210"/>
+          <a:stretch/>
+        </p:blipFill>
+        <p:spPr>
+          <a:xfrm>
+            <a:off x="677334" y="1930400"/>
+            <a:ext cx="9595722" cy="4301958"/>
+          </a:xfrm>
+          <a:prstGeom prst="rect">
+            <a:avLst/>
+          </a:prstGeom>
+          <a:ln w="38100">
+            <a:solidFill>
+              <a:schemeClr val="accent1"/>
+            </a:solidFill>
+          </a:ln>
+        </p:spPr>
+      </p:pic>
+    </p:spTree>
+    <p:extLst>
+      <p:ext uri="{BB962C8B-B14F-4D97-AF65-F5344CB8AC3E}">
+        <p14:creationId xmlns:p14="http://schemas.microsoft.com/office/powerpoint/2010/main" val="1802616016"/>
+      </p:ext>
+    </p:extLst>
+  </p:cSld>
+  <p:clrMapOvr>
+    <a:masterClrMapping/>
+  </p:clrMapOvr>
+  <mc:AlternateContent xmlns:mc="http://schemas.openxmlformats.org/markup-compatibility/2006" xmlns:p14="http://schemas.microsoft.com/office/powerpoint/2010/main">
+    <mc:Choice Requires="p14">
+      <p:transition p14:dur="0"/>
+    </mc:Choice>
+    <mc:Fallback xmlns="">
+      <p:transition/>
+    </mc:Fallback>
+  </mc:AlternateContent>
+  <p:timing>
+    <p:tnLst>
+      <p:par>
+        <p:cTn id="1" dur="indefinite" restart="never" nodeType="tmRoot"/>
+      </p:par>
+    </p:tnLst>
+  </p:timing>
+</p:sld>
+</file>
+
+<file path=ppt/slides/slide21.xml><?xml version="1.0" encoding="utf-8"?>
+<p:sld xmlns:a="http://schemas.openxmlformats.org/drawingml/2006/main" xmlns:r="http://schemas.openxmlformats.org/officeDocument/2006/relationships" xmlns:p="http://schemas.openxmlformats.org/presentationml/2006/main">
+  <p:cSld>
+    <p:spTree>
+      <p:nvGrpSpPr>
+        <p:cNvPr id="1" name=""/>
+        <p:cNvGrpSpPr/>
+        <p:nvPr/>
+      </p:nvGrpSpPr>
+      <p:grpSpPr>
+        <a:xfrm>
+          <a:off x="0" y="0"/>
+          <a:ext cx="0" cy="0"/>
+          <a:chOff x="0" y="0"/>
+          <a:chExt cx="0" cy="0"/>
+        </a:xfrm>
+      </p:grpSpPr>
+      <p:sp>
+        <p:nvSpPr>
+          <p:cNvPr id="2" name="Titolo 1"/>
+          <p:cNvSpPr>
+            <a:spLocks noGrp="1"/>
+          </p:cNvSpPr>
+          <p:nvPr>
+            <p:ph type="title"/>
+          </p:nvPr>
+        </p:nvSpPr>
+        <p:spPr>
+          <a:xfrm>
+            <a:off x="677333" y="609600"/>
+            <a:ext cx="9364737" cy="1320800"/>
+          </a:xfrm>
+        </p:spPr>
+        <p:txBody>
+          <a:bodyPr anchor="ctr">
+            <a:noAutofit/>
+          </a:bodyPr>
+          <a:lstStyle/>
+          <a:p>
+            <a:r>
+              <a:rPr lang="it-CH" dirty="0" smtClean="0"/>
+              <a:t>GANNT finale</a:t>
+            </a:r>
+            <a:endParaRPr lang="it-CH" sz="5400" dirty="0"/>
+          </a:p>
+        </p:txBody>
+      </p:sp>
+      <p:pic>
+        <p:nvPicPr>
+          <p:cNvPr id="5" name="Segnaposto contenuto 4"/>
+          <p:cNvPicPr>
+            <a:picLocks noGrp="1" noChangeAspect="1"/>
+          </p:cNvPicPr>
+          <p:nvPr>
+            <p:ph idx="1"/>
+          </p:nvPr>
+        </p:nvPicPr>
+        <p:blipFill>
+          <a:blip r:embed="rId3"/>
+          <a:stretch>
+            <a:fillRect/>
+          </a:stretch>
+        </p:blipFill>
+        <p:spPr>
+          <a:xfrm>
+            <a:off x="677333" y="1930400"/>
+            <a:ext cx="10216839" cy="4265347"/>
+          </a:xfrm>
+          <a:prstGeom prst="rect">
+            <a:avLst/>
+          </a:prstGeom>
+          <a:ln w="28575">
+            <a:solidFill>
+              <a:schemeClr val="accent1"/>
+            </a:solidFill>
+          </a:ln>
+        </p:spPr>
+      </p:pic>
+    </p:spTree>
+    <p:extLst>
+      <p:ext uri="{BB962C8B-B14F-4D97-AF65-F5344CB8AC3E}">
+        <p14:creationId xmlns:p14="http://schemas.microsoft.com/office/powerpoint/2010/main" val="2158868297"/>
+      </p:ext>
+    </p:extLst>
+  </p:cSld>
+  <p:clrMapOvr>
+    <a:masterClrMapping/>
+  </p:clrMapOvr>
+  <mc:AlternateContent xmlns:mc="http://schemas.openxmlformats.org/markup-compatibility/2006" xmlns:p14="http://schemas.microsoft.com/office/powerpoint/2010/main">
+    <mc:Choice Requires="p14">
+      <p:transition p14:dur="0"/>
+    </mc:Choice>
+    <mc:Fallback xmlns="">
+      <p:transition/>
+    </mc:Fallback>
+  </mc:AlternateContent>
+  <p:timing>
+    <p:tnLst>
+      <p:par>
+        <p:cTn id="1" dur="indefinite" restart="never" nodeType="tmRoot"/>
+      </p:par>
+    </p:tnLst>
+  </p:timing>
+</p:sld>
+</file>
+
+<file path=ppt/slides/slide22.xml><?xml version="1.0" encoding="utf-8"?>
+<p:sld xmlns:a="http://schemas.openxmlformats.org/drawingml/2006/main" xmlns:r="http://schemas.openxmlformats.org/officeDocument/2006/relationships" xmlns:p="http://schemas.openxmlformats.org/presentationml/2006/main">
+  <p:cSld>
+    <p:spTree>
+      <p:nvGrpSpPr>
+        <p:cNvPr id="1" name=""/>
+        <p:cNvGrpSpPr/>
+        <p:nvPr/>
+      </p:nvGrpSpPr>
+      <p:grpSpPr>
+        <a:xfrm>
+          <a:off x="0" y="0"/>
+          <a:ext cx="0" cy="0"/>
+          <a:chOff x="0" y="0"/>
+          <a:chExt cx="0" cy="0"/>
+        </a:xfrm>
+      </p:grpSpPr>
+      <p:sp>
+        <p:nvSpPr>
+          <p:cNvPr id="2" name="Titolo 1"/>
+          <p:cNvSpPr>
+            <a:spLocks noGrp="1"/>
+          </p:cNvSpPr>
+          <p:nvPr>
+            <p:ph type="ctrTitle"/>
+          </p:nvPr>
+        </p:nvSpPr>
+        <p:spPr/>
+        <p:txBody>
+          <a:bodyPr/>
+          <a:lstStyle/>
+          <a:p>
+            <a:r>
+              <a:rPr lang="it-CH" dirty="0"/>
+              <a:t>Domande?</a:t>
+            </a:r>
+          </a:p>
+        </p:txBody>
+      </p:sp>
+      <p:sp>
+        <p:nvSpPr>
+          <p:cNvPr id="3" name="Sottotitolo 2"/>
+          <p:cNvSpPr>
+            <a:spLocks noGrp="1"/>
+          </p:cNvSpPr>
+          <p:nvPr>
+            <p:ph type="subTitle" idx="1"/>
+          </p:nvPr>
+        </p:nvSpPr>
+        <p:spPr/>
+        <p:txBody>
+          <a:bodyPr/>
+          <a:lstStyle/>
+          <a:p>
+            <a:r>
+              <a:rPr lang="it-CH" dirty="0"/>
+              <a:t>Grazie per l’attenzione</a:t>
+            </a:r>
+          </a:p>
+        </p:txBody>
+      </p:sp>
+    </p:spTree>
+    <p:extLst>
+      <p:ext uri="{BB962C8B-B14F-4D97-AF65-F5344CB8AC3E}">
+        <p14:creationId xmlns:p14="http://schemas.microsoft.com/office/powerpoint/2010/main" val="3388456518"/>
+      </p:ext>
+    </p:extLst>
+  </p:cSld>
+  <p:clrMapOvr>
+    <a:masterClrMapping/>
+  </p:clrMapOvr>
+  <p:transition spd="slow">
+    <p:cover/>
+  </p:transition>
+  <p:timing>
+    <p:tnLst>
+      <p:par>
+        <p:cTn id="1" dur="indefinite" restart="never" nodeType="tmRoot"/>
+      </p:par>
+    </p:tnLst>
+  </p:timing>
+</p:sld>
+</file>
+
 <file path=ppt/slides/slide3.xml><?xml version="1.0" encoding="utf-8"?>
 <p:sld xmlns:a="http://schemas.openxmlformats.org/drawingml/2006/main" xmlns:r="http://schemas.openxmlformats.org/officeDocument/2006/relationships" xmlns:p="http://schemas.openxmlformats.org/presentationml/2006/main">
   <p:cSld>
@@ -7805,9 +9343,10 @@
           <a:p>
             <a:pPr lvl="0"/>
             <a:r>
-              <a:rPr lang="it-CH" dirty="0"/>
-              <a:t>Orari bus</a:t>
-            </a:r>
+              <a:rPr lang="it-CH" dirty="0" smtClean="0"/>
+              <a:t>Eventualmente orari bus o informazioni utili</a:t>
+            </a:r>
+            <a:endParaRPr lang="it-CH" dirty="0"/>
           </a:p>
           <a:p>
             <a:endParaRPr lang="it-CH" dirty="0"/>
@@ -8420,7 +9959,7 @@
           <a:p>
             <a:r>
               <a:rPr lang="it-CH" dirty="0" smtClean="0"/>
-              <a:t>Aule:</a:t>
+              <a:t>Aule</a:t>
             </a:r>
           </a:p>
           <a:p>
@@ -8433,12 +9972,16 @@
               <a:rPr lang="it-CH" dirty="0" err="1" smtClean="0"/>
               <a:t>cpt</a:t>
             </a:r>
+            <a:r>
+              <a:rPr lang="it-CH" dirty="0" smtClean="0"/>
+              <a:t> (eventualmente database)</a:t>
+            </a:r>
             <a:endParaRPr lang="it-CH" dirty="0" smtClean="0"/>
           </a:p>
           <a:p>
             <a:r>
               <a:rPr lang="it-CH" dirty="0" smtClean="0"/>
-              <a:t>Account:</a:t>
+              <a:t>Account</a:t>
             </a:r>
           </a:p>
           <a:p>
@@ -10113,15 +11656,103 @@
           <a:p>
             <a:r>
               <a:rPr lang="it-CH" dirty="0" smtClean="0"/>
-              <a:t>Implementazione - Sito</a:t>
+              <a:t>Progettazione – Design interfacce</a:t>
             </a:r>
             <a:endParaRPr lang="it-CH" sz="5400" dirty="0"/>
+          </a:p>
+        </p:txBody>
+      </p:sp>
+      <p:sp>
+        <p:nvSpPr>
+          <p:cNvPr id="14" name="Rectangle 13"/>
+          <p:cNvSpPr>
+            <a:spLocks noChangeArrowheads="1"/>
+          </p:cNvSpPr>
+          <p:nvPr/>
+        </p:nvSpPr>
+        <p:spPr bwMode="auto">
+          <a:xfrm>
+            <a:off x="0" y="0"/>
+            <a:ext cx="12192000" cy="457200"/>
+          </a:xfrm>
+          <a:prstGeom prst="rect">
+            <a:avLst/>
+          </a:prstGeom>
+          <a:noFill/>
+          <a:ln>
+            <a:noFill/>
+          </a:ln>
+          <a:effectLst/>
+          <a:extLst>
+            <a:ext uri="{909E8E84-426E-40DD-AFC4-6F175D3DCCD1}">
+              <a14:hiddenFill xmlns:a14="http://schemas.microsoft.com/office/drawing/2010/main">
+                <a:solidFill>
+                  <a:schemeClr val="accent1"/>
+                </a:solidFill>
+              </a14:hiddenFill>
+            </a:ext>
+            <a:ext uri="{91240B29-F687-4F45-9708-019B960494DF}">
+              <a14:hiddenLine xmlns:a14="http://schemas.microsoft.com/office/drawing/2010/main" w="9525">
+                <a:solidFill>
+                  <a:schemeClr val="tx1"/>
+                </a:solidFill>
+                <a:miter lim="800000"/>
+                <a:headEnd/>
+                <a:tailEnd/>
+              </a14:hiddenLine>
+            </a:ext>
+            <a:ext uri="{AF507438-7753-43E0-B8FC-AC1667EBCBE1}">
+              <a14:hiddenEffects xmlns:a14="http://schemas.microsoft.com/office/drawing/2010/main">
+                <a:effectLst>
+                  <a:outerShdw dist="35921" dir="2700000" algn="ctr" rotWithShape="0">
+                    <a:schemeClr val="bg2"/>
+                  </a:outerShdw>
+                </a:effectLst>
+              </a14:hiddenEffects>
+            </a:ext>
+          </a:extLst>
+        </p:spPr>
+        <p:txBody>
+          <a:bodyPr vert="horz" wrap="none" lIns="366597" tIns="152352" rIns="91440" bIns="152352" numCol="1" anchor="ctr" anchorCtr="0" compatLnSpc="1">
+            <a:prstTxWarp prst="textNoShape">
+              <a:avLst/>
+            </a:prstTxWarp>
+            <a:spAutoFit/>
+          </a:bodyPr>
+          <a:lstStyle/>
+          <a:p>
+            <a:pPr marL="0" marR="0" lvl="0" indent="0" algn="l" defTabSz="914400" rtl="0" eaLnBrk="0" fontAlgn="base" latinLnBrk="0" hangingPunct="0">
+              <a:lnSpc>
+                <a:spcPct val="100000"/>
+              </a:lnSpc>
+              <a:spcBef>
+                <a:spcPct val="0"/>
+              </a:spcBef>
+              <a:spcAft>
+                <a:spcPct val="0"/>
+              </a:spcAft>
+              <a:buClrTx/>
+              <a:buSzTx/>
+              <a:buFontTx/>
+              <a:buNone/>
+              <a:tabLst/>
+            </a:pPr>
+            <a:endParaRPr kumimoji="0" lang="it-IT" altLang="it-CH" sz="1800" b="0" i="0" u="none" strike="noStrike" cap="none" normalizeH="0" baseline="0" smtClean="0">
+              <a:ln>
+                <a:noFill/>
+              </a:ln>
+              <a:solidFill>
+                <a:schemeClr val="tx1"/>
+              </a:solidFill>
+              <a:effectLst/>
+              <a:latin typeface="Arial" panose="020B0604020202020204" pitchFamily="34" charset="0"/>
+            </a:endParaRPr>
           </a:p>
         </p:txBody>
       </p:sp>
       <p:pic>
         <p:nvPicPr>
-          <p:cNvPr id="3074" name="Immagine 1"/>
+          <p:cNvPr id="1026" name="Immagine 1"/>
           <p:cNvPicPr>
             <a:picLocks noChangeAspect="1" noChangeArrowheads="1"/>
           </p:cNvPicPr>
@@ -10135,21 +11766,21 @@
               </a:ext>
             </a:extLst>
           </a:blip>
-          <a:srcRect t="1012" r="752" b="3239"/>
+          <a:srcRect/>
           <a:stretch>
             <a:fillRect/>
           </a:stretch>
         </p:blipFill>
         <p:spPr bwMode="auto">
           <a:xfrm>
-            <a:off x="677334" y="1930400"/>
-            <a:ext cx="7078737" cy="4235518"/>
+            <a:off x="677334" y="1930399"/>
+            <a:ext cx="9003876" cy="4254681"/>
           </a:xfrm>
           <a:prstGeom prst="rect">
             <a:avLst/>
           </a:prstGeom>
           <a:noFill/>
-          <a:ln w="38100">
+          <a:ln w="9525">
             <a:solidFill>
               <a:schemeClr val="accent1"/>
             </a:solidFill>
@@ -10171,7 +11802,7 @@
     </p:spTree>
     <p:extLst>
       <p:ext uri="{BB962C8B-B14F-4D97-AF65-F5344CB8AC3E}">
-        <p14:creationId xmlns:p14="http://schemas.microsoft.com/office/powerpoint/2010/main" val="3666460434"/>
+        <p14:creationId xmlns:p14="http://schemas.microsoft.com/office/powerpoint/2010/main" val="2109076912"/>
       </p:ext>
     </p:extLst>
   </p:cSld>
